--- a/青年聖歌II/(青年聖歌II24)神同在.pptx
+++ b/青年聖歌II/(青年聖歌II24)神同在.pptx
@@ -5,12 +5,19 @@
     <p:sldMasterId id="2147483672" r:id="rId1"/>
   </p:sldMasterIdLst>
   <p:sldIdLst>
-    <p:sldId id="256" r:id="rId2"/>
-    <p:sldId id="260" r:id="rId3"/>
-    <p:sldId id="257" r:id="rId4"/>
-    <p:sldId id="261" r:id="rId5"/>
-    <p:sldId id="258" r:id="rId6"/>
-    <p:sldId id="259" r:id="rId7"/>
+    <p:sldId id="262" r:id="rId2"/>
+    <p:sldId id="263" r:id="rId3"/>
+    <p:sldId id="264" r:id="rId4"/>
+    <p:sldId id="265" r:id="rId5"/>
+    <p:sldId id="266" r:id="rId6"/>
+    <p:sldId id="267" r:id="rId7"/>
+    <p:sldId id="268" r:id="rId8"/>
+    <p:sldId id="269" r:id="rId9"/>
+    <p:sldId id="270" r:id="rId10"/>
+    <p:sldId id="271" r:id="rId11"/>
+    <p:sldId id="272" r:id="rId12"/>
+    <p:sldId id="273" r:id="rId13"/>
+    <p:sldId id="274" r:id="rId14"/>
   </p:sldIdLst>
   <p:sldSz cx="12192000" cy="6858000"/>
   <p:notesSz cx="6858000" cy="9144000"/>
@@ -309,7 +316,7 @@
           <a:p>
             <a:fld id="{82913FF2-39C9-40A1-A02E-2FA867710920}" type="datetimeFigureOut">
               <a:rPr lang="zh-TW" altLang="en-US" smtClean="0"/>
-              <a:t>2020/7/25</a:t>
+              <a:t>2023/10/21</a:t>
             </a:fld>
             <a:endParaRPr lang="zh-TW" altLang="en-US"/>
           </a:p>
@@ -479,7 +486,7 @@
           <a:p>
             <a:fld id="{82913FF2-39C9-40A1-A02E-2FA867710920}" type="datetimeFigureOut">
               <a:rPr lang="zh-TW" altLang="en-US" smtClean="0"/>
-              <a:t>2020/7/25</a:t>
+              <a:t>2023/10/21</a:t>
             </a:fld>
             <a:endParaRPr lang="zh-TW" altLang="en-US"/>
           </a:p>
@@ -659,7 +666,7 @@
           <a:p>
             <a:fld id="{82913FF2-39C9-40A1-A02E-2FA867710920}" type="datetimeFigureOut">
               <a:rPr lang="zh-TW" altLang="en-US" smtClean="0"/>
-              <a:t>2020/7/25</a:t>
+              <a:t>2023/10/21</a:t>
             </a:fld>
             <a:endParaRPr lang="zh-TW" altLang="en-US"/>
           </a:p>
@@ -829,7 +836,7 @@
           <a:p>
             <a:fld id="{82913FF2-39C9-40A1-A02E-2FA867710920}" type="datetimeFigureOut">
               <a:rPr lang="zh-TW" altLang="en-US" smtClean="0"/>
-              <a:t>2020/7/25</a:t>
+              <a:t>2023/10/21</a:t>
             </a:fld>
             <a:endParaRPr lang="zh-TW" altLang="en-US"/>
           </a:p>
@@ -1075,7 +1082,7 @@
           <a:p>
             <a:fld id="{82913FF2-39C9-40A1-A02E-2FA867710920}" type="datetimeFigureOut">
               <a:rPr lang="zh-TW" altLang="en-US" smtClean="0"/>
-              <a:t>2020/7/25</a:t>
+              <a:t>2023/10/21</a:t>
             </a:fld>
             <a:endParaRPr lang="zh-TW" altLang="en-US"/>
           </a:p>
@@ -1363,7 +1370,7 @@
           <a:p>
             <a:fld id="{82913FF2-39C9-40A1-A02E-2FA867710920}" type="datetimeFigureOut">
               <a:rPr lang="zh-TW" altLang="en-US" smtClean="0"/>
-              <a:t>2020/7/25</a:t>
+              <a:t>2023/10/21</a:t>
             </a:fld>
             <a:endParaRPr lang="zh-TW" altLang="en-US"/>
           </a:p>
@@ -1785,7 +1792,7 @@
           <a:p>
             <a:fld id="{82913FF2-39C9-40A1-A02E-2FA867710920}" type="datetimeFigureOut">
               <a:rPr lang="zh-TW" altLang="en-US" smtClean="0"/>
-              <a:t>2020/7/25</a:t>
+              <a:t>2023/10/21</a:t>
             </a:fld>
             <a:endParaRPr lang="zh-TW" altLang="en-US"/>
           </a:p>
@@ -1903,7 +1910,7 @@
           <a:p>
             <a:fld id="{82913FF2-39C9-40A1-A02E-2FA867710920}" type="datetimeFigureOut">
               <a:rPr lang="zh-TW" altLang="en-US" smtClean="0"/>
-              <a:t>2020/7/25</a:t>
+              <a:t>2023/10/21</a:t>
             </a:fld>
             <a:endParaRPr lang="zh-TW" altLang="en-US"/>
           </a:p>
@@ -1998,7 +2005,7 @@
           <a:p>
             <a:fld id="{82913FF2-39C9-40A1-A02E-2FA867710920}" type="datetimeFigureOut">
               <a:rPr lang="zh-TW" altLang="en-US" smtClean="0"/>
-              <a:t>2020/7/25</a:t>
+              <a:t>2023/10/21</a:t>
             </a:fld>
             <a:endParaRPr lang="zh-TW" altLang="en-US"/>
           </a:p>
@@ -2275,7 +2282,7 @@
           <a:p>
             <a:fld id="{82913FF2-39C9-40A1-A02E-2FA867710920}" type="datetimeFigureOut">
               <a:rPr lang="zh-TW" altLang="en-US" smtClean="0"/>
-              <a:t>2020/7/25</a:t>
+              <a:t>2023/10/21</a:t>
             </a:fld>
             <a:endParaRPr lang="zh-TW" altLang="en-US"/>
           </a:p>
@@ -2532,7 +2539,7 @@
           <a:p>
             <a:fld id="{82913FF2-39C9-40A1-A02E-2FA867710920}" type="datetimeFigureOut">
               <a:rPr lang="zh-TW" altLang="en-US" smtClean="0"/>
-              <a:t>2020/7/25</a:t>
+              <a:t>2023/10/21</a:t>
             </a:fld>
             <a:endParaRPr lang="zh-TW" altLang="en-US"/>
           </a:p>
@@ -2750,7 +2757,7 @@
           <a:p>
             <a:fld id="{82913FF2-39C9-40A1-A02E-2FA867710920}" type="datetimeFigureOut">
               <a:rPr lang="zh-TW" altLang="en-US" smtClean="0"/>
-              <a:t>2020/7/25</a:t>
+              <a:t>2023/10/21</a:t>
             </a:fld>
             <a:endParaRPr lang="zh-TW" altLang="en-US"/>
           </a:p>
@@ -3135,132 +3142,283 @@
             <p:ph type="title"/>
           </p:nvPr>
         </p:nvSpPr>
-        <p:spPr/>
+        <p:spPr>
+          <a:xfrm>
+            <a:off x="0" y="2660915"/>
+            <a:ext cx="12192000" cy="1143000"/>
+          </a:xfrm>
+        </p:spPr>
         <p:txBody>
           <a:bodyPr>
+            <a:noAutofit/>
+          </a:bodyPr>
+          <a:lstStyle/>
+          <a:p>
+            <a:r>
+              <a:rPr lang="zh-CN" altLang="en-US" sz="5333" b="1" u="sng" dirty="0">
+                <a:solidFill>
+                  <a:srgbClr val="000066"/>
+                </a:solidFill>
+                <a:effectLst>
+                  <a:outerShdw blurRad="38100" dist="38100" dir="2700000" algn="tl">
+                    <a:srgbClr val="000000">
+                      <a:alpha val="43137"/>
+                    </a:srgbClr>
+                  </a:outerShdw>
+                </a:effectLst>
+                <a:latin typeface="微軟正黑體" pitchFamily="34" charset="-120"/>
+                <a:ea typeface="微軟正黑體" pitchFamily="34" charset="-120"/>
+              </a:rPr>
+              <a:t>青年聖歌 </a:t>
+            </a:r>
+            <a:r>
+              <a:rPr lang="en-US" altLang="zh-CN" sz="5333" b="1" u="sng" dirty="0">
+                <a:solidFill>
+                  <a:srgbClr val="000066"/>
+                </a:solidFill>
+                <a:effectLst>
+                  <a:outerShdw blurRad="38100" dist="38100" dir="2700000" algn="tl">
+                    <a:srgbClr val="000000">
+                      <a:alpha val="43137"/>
+                    </a:srgbClr>
+                  </a:outerShdw>
+                </a:effectLst>
+                <a:latin typeface="微軟正黑體" pitchFamily="34" charset="-120"/>
+                <a:ea typeface="微軟正黑體" pitchFamily="34" charset="-120"/>
+              </a:rPr>
+              <a:t>II</a:t>
+            </a:r>
+            <a:r>
+              <a:rPr lang="zh-CN" altLang="en-US" sz="5333" b="1" u="sng" dirty="0">
+                <a:solidFill>
+                  <a:srgbClr val="000066"/>
+                </a:solidFill>
+                <a:effectLst>
+                  <a:outerShdw blurRad="38100" dist="38100" dir="2700000" algn="tl">
+                    <a:srgbClr val="000000">
+                      <a:alpha val="43137"/>
+                    </a:srgbClr>
+                  </a:outerShdw>
+                </a:effectLst>
+                <a:latin typeface="微軟正黑體" pitchFamily="34" charset="-120"/>
+                <a:ea typeface="微軟正黑體" pitchFamily="34" charset="-120"/>
+              </a:rPr>
+              <a:t> </a:t>
+            </a:r>
+            <a:r>
+              <a:rPr lang="en-US" altLang="zh-CN" sz="5333" b="1" u="sng" dirty="0">
+                <a:solidFill>
+                  <a:srgbClr val="000066"/>
+                </a:solidFill>
+                <a:effectLst>
+                  <a:outerShdw blurRad="38100" dist="38100" dir="2700000" algn="tl">
+                    <a:srgbClr val="000000">
+                      <a:alpha val="43137"/>
+                    </a:srgbClr>
+                  </a:outerShdw>
+                </a:effectLst>
+                <a:latin typeface="微軟正黑體" pitchFamily="34" charset="-120"/>
+                <a:ea typeface="微軟正黑體" pitchFamily="34" charset="-120"/>
+              </a:rPr>
+              <a:t>24</a:t>
+            </a:r>
+            <a:r>
+              <a:rPr lang="en-US" altLang="zh-CN" sz="7200" b="1" i="1" dirty="0">
+                <a:solidFill>
+                  <a:srgbClr val="660033"/>
+                </a:solidFill>
+                <a:effectLst>
+                  <a:outerShdw blurRad="38100" dist="38100" dir="2700000" algn="tl">
+                    <a:srgbClr val="000000">
+                      <a:alpha val="43137"/>
+                    </a:srgbClr>
+                  </a:outerShdw>
+                </a:effectLst>
+                <a:latin typeface="微軟正黑體" pitchFamily="34" charset="-120"/>
+                <a:ea typeface="微軟正黑體" pitchFamily="34" charset="-120"/>
+              </a:rPr>
+              <a:t/>
+            </a:r>
+            <a:br>
+              <a:rPr lang="en-US" altLang="zh-CN" sz="7200" b="1" i="1" dirty="0">
+                <a:solidFill>
+                  <a:srgbClr val="660033"/>
+                </a:solidFill>
+                <a:effectLst>
+                  <a:outerShdw blurRad="38100" dist="38100" dir="2700000" algn="tl">
+                    <a:srgbClr val="000000">
+                      <a:alpha val="43137"/>
+                    </a:srgbClr>
+                  </a:outerShdw>
+                </a:effectLst>
+                <a:latin typeface="微軟正黑體" pitchFamily="34" charset="-120"/>
+                <a:ea typeface="微軟正黑體" pitchFamily="34" charset="-120"/>
+              </a:rPr>
+            </a:br>
+            <a:r>
+              <a:rPr lang="zh-TW" altLang="en-US" sz="8000" b="1" dirty="0">
+                <a:solidFill>
+                  <a:srgbClr val="660033"/>
+                </a:solidFill>
+                <a:effectLst>
+                  <a:outerShdw blurRad="38100" dist="38100" dir="2700000" algn="tl">
+                    <a:srgbClr val="000000">
+                      <a:alpha val="43137"/>
+                    </a:srgbClr>
+                  </a:outerShdw>
+                </a:effectLst>
+                <a:latin typeface="微軟正黑體" pitchFamily="34" charset="-120"/>
+                <a:ea typeface="微軟正黑體" pitchFamily="34" charset="-120"/>
+              </a:rPr>
+              <a:t>神</a:t>
+            </a:r>
+            <a:r>
+              <a:rPr lang="zh-TW" altLang="en-US" sz="8000" b="1" dirty="0">
+                <a:solidFill>
+                  <a:srgbClr val="660033"/>
+                </a:solidFill>
+                <a:effectLst>
+                  <a:outerShdw blurRad="38100" dist="38100" dir="2700000" algn="tl">
+                    <a:srgbClr val="000000">
+                      <a:alpha val="43137"/>
+                    </a:srgbClr>
+                  </a:outerShdw>
+                </a:effectLst>
+                <a:latin typeface="微軟正黑體" pitchFamily="34" charset="-120"/>
+                <a:ea typeface="微軟正黑體" pitchFamily="34" charset="-120"/>
+              </a:rPr>
+              <a:t>同在</a:t>
+            </a:r>
+          </a:p>
+        </p:txBody>
+      </p:sp>
+    </p:spTree>
+    <p:extLst>
+      <p:ext uri="{BB962C8B-B14F-4D97-AF65-F5344CB8AC3E}">
+        <p14:creationId xmlns:p14="http://schemas.microsoft.com/office/powerpoint/2010/main" val="3290231842"/>
+      </p:ext>
+    </p:extLst>
+  </p:cSld>
+  <p:clrMapOvr>
+    <a:masterClrMapping/>
+  </p:clrMapOvr>
+  <p:timing>
+    <p:tnLst>
+      <p:par>
+        <p:cTn id="1" dur="indefinite" restart="never" nodeType="tmRoot"/>
+      </p:par>
+    </p:tnLst>
+  </p:timing>
+</p:sld>
+</file>
+
+<file path=ppt/slides/slide10.xml><?xml version="1.0" encoding="utf-8"?>
+<p:sld xmlns:a="http://schemas.openxmlformats.org/drawingml/2006/main" xmlns:r="http://schemas.openxmlformats.org/officeDocument/2006/relationships" xmlns:p="http://schemas.openxmlformats.org/presentationml/2006/main">
+  <p:cSld>
+    <p:spTree>
+      <p:nvGrpSpPr>
+        <p:cNvPr id="1" name=""/>
+        <p:cNvGrpSpPr/>
+        <p:nvPr/>
+      </p:nvGrpSpPr>
+      <p:grpSpPr>
+        <a:xfrm>
+          <a:off x="0" y="0"/>
+          <a:ext cx="0" cy="0"/>
+          <a:chOff x="0" y="0"/>
+          <a:chExt cx="0" cy="0"/>
+        </a:xfrm>
+      </p:grpSpPr>
+      <p:sp>
+        <p:nvSpPr>
+          <p:cNvPr id="5" name="內容版面配置區 4"/>
+          <p:cNvSpPr>
+            <a:spLocks noGrp="1"/>
+          </p:cNvSpPr>
+          <p:nvPr>
+            <p:ph idx="1"/>
+          </p:nvPr>
+        </p:nvSpPr>
+        <p:spPr>
+          <a:xfrm>
+            <a:off x="0" y="2084853"/>
+            <a:ext cx="12192000" cy="2404863"/>
+          </a:xfrm>
+        </p:spPr>
+        <p:txBody>
+          <a:bodyPr anchor="ctr">
             <a:normAutofit/>
           </a:bodyPr>
           <a:lstStyle/>
           <a:p>
-            <a:r>
-              <a:rPr lang="zh-TW" altLang="en-US" sz="4800" b="1" dirty="0" smtClean="0">
-                <a:latin typeface="Microsoft JhengHei" panose="020B0604030504040204" pitchFamily="34" charset="-120"/>
-                <a:ea typeface="Microsoft JhengHei" panose="020B0604030504040204" pitchFamily="34" charset="-120"/>
-              </a:rPr>
-              <a:t>神同在</a:t>
-            </a:r>
-            <a:endParaRPr lang="zh-TW" altLang="en-US" sz="4800" b="1" dirty="0">
-              <a:latin typeface="Microsoft JhengHei" panose="020B0604030504040204" pitchFamily="34" charset="-120"/>
-              <a:ea typeface="Microsoft JhengHei" panose="020B0604030504040204" pitchFamily="34" charset="-120"/>
+            <a:pPr lvl="0" algn="ctr">
+              <a:buNone/>
+            </a:pPr>
+            <a:r>
+              <a:rPr lang="zh-TW" altLang="en-US" sz="6400" b="1" dirty="0">
+                <a:solidFill>
+                  <a:srgbClr val="660033"/>
+                </a:solidFill>
+                <a:latin typeface="Microsoft JhengHei" pitchFamily="34" charset="-120"/>
+                <a:ea typeface="Microsoft JhengHei" pitchFamily="34" charset="-120"/>
+              </a:rPr>
+              <a:t>當我需要朋友領我過黑夜</a:t>
+            </a:r>
+          </a:p>
+          <a:p>
+            <a:pPr algn="ctr">
+              <a:buNone/>
+            </a:pPr>
+            <a:r>
+              <a:rPr lang="zh-TW" altLang="en-US" sz="6400" b="1" dirty="0">
+                <a:solidFill>
+                  <a:srgbClr val="660033"/>
+                </a:solidFill>
+                <a:latin typeface="Microsoft JhengHei" pitchFamily="34" charset="-120"/>
+                <a:ea typeface="Microsoft JhengHei" pitchFamily="34" charset="-120"/>
+              </a:rPr>
+              <a:t>神同在 </a:t>
+            </a:r>
+            <a:r>
+              <a:rPr lang="zh-TW" altLang="en-US" sz="6400" b="1" dirty="0">
+                <a:solidFill>
+                  <a:srgbClr val="660033"/>
+                </a:solidFill>
+                <a:latin typeface="Microsoft JhengHei" pitchFamily="34" charset="-120"/>
+                <a:ea typeface="Microsoft JhengHei" pitchFamily="34" charset="-120"/>
+              </a:rPr>
+              <a:t> 神</a:t>
+            </a:r>
+            <a:r>
+              <a:rPr lang="zh-TW" altLang="en-US" sz="6400" b="1" dirty="0">
+                <a:solidFill>
+                  <a:srgbClr val="660033"/>
+                </a:solidFill>
+                <a:latin typeface="Microsoft JhengHei" pitchFamily="34" charset="-120"/>
+                <a:ea typeface="Microsoft JhengHei" pitchFamily="34" charset="-120"/>
+              </a:rPr>
+              <a:t>同在</a:t>
+            </a:r>
+            <a:endParaRPr lang="en-US" altLang="zh-TW" sz="6400" b="1" dirty="0">
+              <a:solidFill>
+                <a:srgbClr val="660033"/>
+              </a:solidFill>
+              <a:latin typeface="Microsoft JhengHei" pitchFamily="34" charset="-120"/>
+              <a:ea typeface="Microsoft JhengHei" pitchFamily="34" charset="-120"/>
             </a:endParaRPr>
           </a:p>
         </p:txBody>
       </p:sp>
       <p:sp>
         <p:nvSpPr>
-          <p:cNvPr id="5" name="內容版面配置區 4"/>
-          <p:cNvSpPr>
-            <a:spLocks noGrp="1"/>
-          </p:cNvSpPr>
-          <p:nvPr>
-            <p:ph idx="1"/>
-          </p:nvPr>
-        </p:nvSpPr>
-        <p:spPr/>
-        <p:txBody>
-          <a:bodyPr>
-            <a:normAutofit/>
-          </a:bodyPr>
-          <a:lstStyle/>
-          <a:p>
-            <a:pPr lvl="0" algn="ctr">
-              <a:buNone/>
-            </a:pPr>
-            <a:r>
-              <a:rPr lang="zh-TW" altLang="en-US" sz="5400" b="1" dirty="0">
-                <a:latin typeface="Microsoft JhengHei" panose="020B0604030504040204" pitchFamily="34" charset="-120"/>
-                <a:ea typeface="Microsoft JhengHei" panose="020B0604030504040204" pitchFamily="34" charset="-120"/>
-              </a:rPr>
-              <a:t>當我需要朋友傾訢我苦惱</a:t>
-            </a:r>
-          </a:p>
-          <a:p>
-            <a:pPr algn="ctr">
-              <a:buNone/>
-            </a:pPr>
-            <a:r>
-              <a:rPr lang="zh-TW" altLang="en-US" sz="5400" b="1" dirty="0">
-                <a:latin typeface="Microsoft JhengHei" panose="020B0604030504040204" pitchFamily="34" charset="-120"/>
-                <a:ea typeface="Microsoft JhengHei" panose="020B0604030504040204" pitchFamily="34" charset="-120"/>
-              </a:rPr>
-              <a:t>神同在 神</a:t>
-            </a:r>
-            <a:r>
-              <a:rPr lang="zh-TW" altLang="en-US" sz="5400" b="1" dirty="0">
-                <a:latin typeface="Microsoft JhengHei" panose="020B0604030504040204" pitchFamily="34" charset="-120"/>
-                <a:ea typeface="Microsoft JhengHei" panose="020B0604030504040204" pitchFamily="34" charset="-120"/>
-              </a:rPr>
-              <a:t>同在</a:t>
-            </a:r>
-            <a:endParaRPr lang="en-US" altLang="zh-TW" sz="5400" b="1" dirty="0">
-              <a:latin typeface="Microsoft JhengHei" panose="020B0604030504040204" pitchFamily="34" charset="-120"/>
-              <a:ea typeface="Microsoft JhengHei" panose="020B0604030504040204" pitchFamily="34" charset="-120"/>
-            </a:endParaRPr>
-          </a:p>
-          <a:p>
-            <a:pPr algn="ctr">
-              <a:buNone/>
-            </a:pPr>
-            <a:r>
-              <a:rPr lang="zh-TW" altLang="en-US" sz="5400" b="1" dirty="0">
-                <a:latin typeface="Microsoft JhengHei" panose="020B0604030504040204" pitchFamily="34" charset="-120"/>
-                <a:ea typeface="Microsoft JhengHei" panose="020B0604030504040204" pitchFamily="34" charset="-120"/>
-              </a:rPr>
-              <a:t>當</a:t>
-            </a:r>
-            <a:r>
-              <a:rPr lang="zh-TW" altLang="en-US" sz="5400" b="1" dirty="0">
-                <a:latin typeface="Microsoft JhengHei" panose="020B0604030504040204" pitchFamily="34" charset="-120"/>
-                <a:ea typeface="Microsoft JhengHei" panose="020B0604030504040204" pitchFamily="34" charset="-120"/>
-              </a:rPr>
-              <a:t>我需要朋友加給我力量</a:t>
-            </a:r>
-          </a:p>
-          <a:p>
-            <a:pPr algn="ctr">
-              <a:buNone/>
-            </a:pPr>
-            <a:r>
-              <a:rPr lang="zh-TW" altLang="en-US" sz="5400" b="1" dirty="0">
-                <a:latin typeface="Microsoft JhengHei" panose="020B0604030504040204" pitchFamily="34" charset="-120"/>
-                <a:ea typeface="Microsoft JhengHei" panose="020B0604030504040204" pitchFamily="34" charset="-120"/>
-              </a:rPr>
-              <a:t>神同在 常同</a:t>
-            </a:r>
-            <a:r>
-              <a:rPr lang="zh-TW" altLang="en-US" sz="5400" b="1" dirty="0">
-                <a:latin typeface="Microsoft JhengHei" panose="020B0604030504040204" pitchFamily="34" charset="-120"/>
-                <a:ea typeface="Microsoft JhengHei" panose="020B0604030504040204" pitchFamily="34" charset="-120"/>
-              </a:rPr>
-              <a:t>在</a:t>
-            </a:r>
-            <a:endParaRPr lang="zh-TW" altLang="en-US" sz="5400" b="1" dirty="0">
-              <a:latin typeface="Microsoft JhengHei" panose="020B0604030504040204" pitchFamily="34" charset="-120"/>
-              <a:ea typeface="Microsoft JhengHei" panose="020B0604030504040204" pitchFamily="34" charset="-120"/>
-            </a:endParaRPr>
-          </a:p>
-        </p:txBody>
-      </p:sp>
-      <p:sp>
-        <p:nvSpPr>
-          <p:cNvPr id="2" name="TextBox 1"/>
+          <p:cNvPr id="3" name="TextBox 2"/>
           <p:cNvSpPr txBox="1"/>
           <p:nvPr/>
         </p:nvSpPr>
         <p:spPr>
           <a:xfrm>
-            <a:off x="767408" y="1589617"/>
-            <a:ext cx="1080120" cy="1015663"/>
+            <a:off x="0" y="5061181"/>
+            <a:ext cx="12192000" cy="666786"/>
           </a:xfrm>
           <a:prstGeom prst="rect">
             <a:avLst/>
@@ -3273,19 +3431,514 @@
           </a:bodyPr>
           <a:lstStyle/>
           <a:p>
-            <a:r>
-              <a:rPr lang="en-US" sz="6000" b="1" dirty="0" smtClean="0"/>
-              <a:t>1.</a:t>
-            </a:r>
-            <a:endParaRPr lang="vi-VN" sz="6000" b="1" dirty="0"/>
+            <a:pPr algn="ctr"/>
+            <a:r>
+              <a:rPr lang="en-US" sz="3733" b="1" dirty="0">
+                <a:solidFill>
+                  <a:srgbClr val="660033"/>
+                </a:solidFill>
+              </a:rPr>
+              <a:t>( </a:t>
+            </a:r>
+            <a:r>
+              <a:rPr lang="en-US" sz="3733" b="1" dirty="0">
+                <a:solidFill>
+                  <a:srgbClr val="660033"/>
+                </a:solidFill>
+              </a:rPr>
+              <a:t>3 </a:t>
+            </a:r>
+            <a:r>
+              <a:rPr lang="en-US" sz="3733" b="1" dirty="0">
+                <a:solidFill>
+                  <a:srgbClr val="660033"/>
+                </a:solidFill>
+              </a:rPr>
+              <a:t>/ </a:t>
+            </a:r>
+            <a:r>
+              <a:rPr lang="en-US" sz="3733" b="1" dirty="0">
+                <a:solidFill>
+                  <a:srgbClr val="660033"/>
+                </a:solidFill>
+              </a:rPr>
+              <a:t>3 </a:t>
+            </a:r>
+            <a:r>
+              <a:rPr lang="en-US" sz="3733" b="1" dirty="0">
+                <a:solidFill>
+                  <a:srgbClr val="660033"/>
+                </a:solidFill>
+              </a:rPr>
+              <a:t>)</a:t>
+            </a:r>
+            <a:endParaRPr lang="vi-VN" sz="3733" b="1" dirty="0">
+              <a:solidFill>
+                <a:srgbClr val="660033"/>
+              </a:solidFill>
+            </a:endParaRPr>
           </a:p>
         </p:txBody>
       </p:sp>
     </p:spTree>
+    <p:extLst>
+      <p:ext uri="{BB962C8B-B14F-4D97-AF65-F5344CB8AC3E}">
+        <p14:creationId xmlns:p14="http://schemas.microsoft.com/office/powerpoint/2010/main" val="3764187748"/>
+      </p:ext>
+    </p:extLst>
   </p:cSld>
   <p:clrMapOvr>
     <a:masterClrMapping/>
   </p:clrMapOvr>
+  <p:timing>
+    <p:tnLst>
+      <p:par>
+        <p:cTn id="1" dur="indefinite" restart="never" nodeType="tmRoot"/>
+      </p:par>
+    </p:tnLst>
+  </p:timing>
+</p:sld>
+</file>
+
+<file path=ppt/slides/slide11.xml><?xml version="1.0" encoding="utf-8"?>
+<p:sld xmlns:a="http://schemas.openxmlformats.org/drawingml/2006/main" xmlns:r="http://schemas.openxmlformats.org/officeDocument/2006/relationships" xmlns:p="http://schemas.openxmlformats.org/presentationml/2006/main">
+  <p:cSld>
+    <p:spTree>
+      <p:nvGrpSpPr>
+        <p:cNvPr id="1" name=""/>
+        <p:cNvGrpSpPr/>
+        <p:nvPr/>
+      </p:nvGrpSpPr>
+      <p:grpSpPr>
+        <a:xfrm>
+          <a:off x="0" y="0"/>
+          <a:ext cx="0" cy="0"/>
+          <a:chOff x="0" y="0"/>
+          <a:chExt cx="0" cy="0"/>
+        </a:xfrm>
+      </p:grpSpPr>
+      <p:sp>
+        <p:nvSpPr>
+          <p:cNvPr id="5" name="內容版面配置區 4"/>
+          <p:cNvSpPr>
+            <a:spLocks noGrp="1"/>
+          </p:cNvSpPr>
+          <p:nvPr>
+            <p:ph idx="1"/>
+          </p:nvPr>
+        </p:nvSpPr>
+        <p:spPr>
+          <a:xfrm>
+            <a:off x="0" y="2084853"/>
+            <a:ext cx="12192000" cy="2404863"/>
+          </a:xfrm>
+        </p:spPr>
+        <p:txBody>
+          <a:bodyPr anchor="ctr">
+            <a:normAutofit/>
+          </a:bodyPr>
+          <a:lstStyle/>
+          <a:p>
+            <a:pPr algn="ctr">
+              <a:buNone/>
+            </a:pPr>
+            <a:r>
+              <a:rPr lang="zh-TW" altLang="en-US" sz="6400" b="1" dirty="0">
+                <a:solidFill>
+                  <a:srgbClr val="660033"/>
+                </a:solidFill>
+                <a:latin typeface="Microsoft JhengHei" pitchFamily="34" charset="-120"/>
+                <a:ea typeface="Microsoft JhengHei" pitchFamily="34" charset="-120"/>
+              </a:rPr>
+              <a:t>當我需要朋友使我路光明</a:t>
+            </a:r>
+          </a:p>
+          <a:p>
+            <a:pPr algn="ctr">
+              <a:buNone/>
+            </a:pPr>
+            <a:r>
+              <a:rPr lang="zh-TW" altLang="en-US" sz="6400" b="1" dirty="0">
+                <a:solidFill>
+                  <a:srgbClr val="660033"/>
+                </a:solidFill>
+                <a:latin typeface="Microsoft JhengHei" pitchFamily="34" charset="-120"/>
+                <a:ea typeface="Microsoft JhengHei" pitchFamily="34" charset="-120"/>
+              </a:rPr>
+              <a:t>神同在 </a:t>
+            </a:r>
+            <a:r>
+              <a:rPr lang="zh-TW" altLang="en-US" sz="6400" b="1" dirty="0">
+                <a:solidFill>
+                  <a:srgbClr val="660033"/>
+                </a:solidFill>
+                <a:latin typeface="Microsoft JhengHei" pitchFamily="34" charset="-120"/>
+                <a:ea typeface="Microsoft JhengHei" pitchFamily="34" charset="-120"/>
+              </a:rPr>
+              <a:t> 常</a:t>
+            </a:r>
+            <a:r>
+              <a:rPr lang="zh-TW" altLang="en-US" sz="6400" b="1" dirty="0">
+                <a:solidFill>
+                  <a:srgbClr val="660033"/>
+                </a:solidFill>
+                <a:latin typeface="Microsoft JhengHei" pitchFamily="34" charset="-120"/>
+                <a:ea typeface="Microsoft JhengHei" pitchFamily="34" charset="-120"/>
+              </a:rPr>
+              <a:t>同在</a:t>
+            </a:r>
+          </a:p>
+        </p:txBody>
+      </p:sp>
+      <p:sp>
+        <p:nvSpPr>
+          <p:cNvPr id="3" name="TextBox 2"/>
+          <p:cNvSpPr txBox="1"/>
+          <p:nvPr/>
+        </p:nvSpPr>
+        <p:spPr>
+          <a:xfrm>
+            <a:off x="0" y="5061181"/>
+            <a:ext cx="12192000" cy="666786"/>
+          </a:xfrm>
+          <a:prstGeom prst="rect">
+            <a:avLst/>
+          </a:prstGeom>
+          <a:noFill/>
+        </p:spPr>
+        <p:txBody>
+          <a:bodyPr wrap="square" rtlCol="0">
+            <a:spAutoFit/>
+          </a:bodyPr>
+          <a:lstStyle/>
+          <a:p>
+            <a:pPr algn="ctr"/>
+            <a:r>
+              <a:rPr lang="en-US" sz="3733" b="1" dirty="0">
+                <a:solidFill>
+                  <a:srgbClr val="660033"/>
+                </a:solidFill>
+              </a:rPr>
+              <a:t>( </a:t>
+            </a:r>
+            <a:r>
+              <a:rPr lang="en-US" sz="3733" b="1" dirty="0">
+                <a:solidFill>
+                  <a:srgbClr val="660033"/>
+                </a:solidFill>
+              </a:rPr>
+              <a:t>3 </a:t>
+            </a:r>
+            <a:r>
+              <a:rPr lang="en-US" sz="3733" b="1" dirty="0">
+                <a:solidFill>
+                  <a:srgbClr val="660033"/>
+                </a:solidFill>
+              </a:rPr>
+              <a:t>/ </a:t>
+            </a:r>
+            <a:r>
+              <a:rPr lang="en-US" sz="3733" b="1" dirty="0">
+                <a:solidFill>
+                  <a:srgbClr val="660033"/>
+                </a:solidFill>
+              </a:rPr>
+              <a:t>3 </a:t>
+            </a:r>
+            <a:r>
+              <a:rPr lang="en-US" sz="3733" b="1" dirty="0">
+                <a:solidFill>
+                  <a:srgbClr val="660033"/>
+                </a:solidFill>
+              </a:rPr>
+              <a:t>)</a:t>
+            </a:r>
+            <a:endParaRPr lang="vi-VN" sz="3733" b="1" dirty="0">
+              <a:solidFill>
+                <a:srgbClr val="660033"/>
+              </a:solidFill>
+            </a:endParaRPr>
+          </a:p>
+        </p:txBody>
+      </p:sp>
+    </p:spTree>
+    <p:extLst>
+      <p:ext uri="{BB962C8B-B14F-4D97-AF65-F5344CB8AC3E}">
+        <p14:creationId xmlns:p14="http://schemas.microsoft.com/office/powerpoint/2010/main" val="1435775615"/>
+      </p:ext>
+    </p:extLst>
+  </p:cSld>
+  <p:clrMapOvr>
+    <a:masterClrMapping/>
+  </p:clrMapOvr>
+  <p:timing>
+    <p:tnLst>
+      <p:par>
+        <p:cTn id="1" dur="indefinite" restart="never" nodeType="tmRoot"/>
+      </p:par>
+    </p:tnLst>
+  </p:timing>
+</p:sld>
+</file>
+
+<file path=ppt/slides/slide12.xml><?xml version="1.0" encoding="utf-8"?>
+<p:sld xmlns:a="http://schemas.openxmlformats.org/drawingml/2006/main" xmlns:r="http://schemas.openxmlformats.org/officeDocument/2006/relationships" xmlns:p="http://schemas.openxmlformats.org/presentationml/2006/main">
+  <p:cSld>
+    <p:spTree>
+      <p:nvGrpSpPr>
+        <p:cNvPr id="1" name=""/>
+        <p:cNvGrpSpPr/>
+        <p:nvPr/>
+      </p:nvGrpSpPr>
+      <p:grpSpPr>
+        <a:xfrm>
+          <a:off x="0" y="0"/>
+          <a:ext cx="0" cy="0"/>
+          <a:chOff x="0" y="0"/>
+          <a:chExt cx="0" cy="0"/>
+        </a:xfrm>
+      </p:grpSpPr>
+      <p:sp>
+        <p:nvSpPr>
+          <p:cNvPr id="5" name="內容版面配置區 4"/>
+          <p:cNvSpPr>
+            <a:spLocks noGrp="1"/>
+          </p:cNvSpPr>
+          <p:nvPr>
+            <p:ph idx="1"/>
+          </p:nvPr>
+        </p:nvSpPr>
+        <p:spPr>
+          <a:xfrm>
+            <a:off x="0" y="2084853"/>
+            <a:ext cx="12192000" cy="2404863"/>
+          </a:xfrm>
+        </p:spPr>
+        <p:txBody>
+          <a:bodyPr anchor="ctr">
+            <a:normAutofit/>
+          </a:bodyPr>
+          <a:lstStyle/>
+          <a:p>
+            <a:pPr algn="ctr">
+              <a:buNone/>
+            </a:pPr>
+            <a:r>
+              <a:rPr lang="zh-TW" altLang="en-US" sz="6400" b="1" dirty="0">
+                <a:solidFill>
+                  <a:srgbClr val="660033"/>
+                </a:solidFill>
+                <a:latin typeface="Microsoft JhengHei" pitchFamily="34" charset="-120"/>
+                <a:ea typeface="Microsoft JhengHei" pitchFamily="34" charset="-120"/>
+              </a:rPr>
+              <a:t>神同</a:t>
+            </a:r>
+            <a:r>
+              <a:rPr lang="zh-TW" altLang="en-US" sz="6400" b="1" dirty="0">
+                <a:solidFill>
+                  <a:srgbClr val="660033"/>
+                </a:solidFill>
+                <a:latin typeface="Microsoft JhengHei" pitchFamily="34" charset="-120"/>
+                <a:ea typeface="Microsoft JhengHei" pitchFamily="34" charset="-120"/>
+              </a:rPr>
+              <a:t>在  常</a:t>
+            </a:r>
+            <a:r>
+              <a:rPr lang="zh-TW" altLang="en-US" sz="6400" b="1" dirty="0">
+                <a:solidFill>
+                  <a:srgbClr val="660033"/>
+                </a:solidFill>
+                <a:latin typeface="Microsoft JhengHei" pitchFamily="34" charset="-120"/>
+                <a:ea typeface="Microsoft JhengHei" pitchFamily="34" charset="-120"/>
+              </a:rPr>
+              <a:t>同在</a:t>
+            </a:r>
+          </a:p>
+          <a:p>
+            <a:pPr algn="ctr">
+              <a:buNone/>
+            </a:pPr>
+            <a:r>
+              <a:rPr lang="zh-TW" altLang="en-US" sz="6400" b="1" dirty="0">
+                <a:solidFill>
+                  <a:srgbClr val="660033"/>
+                </a:solidFill>
+                <a:latin typeface="Microsoft JhengHei" pitchFamily="34" charset="-120"/>
+                <a:ea typeface="Microsoft JhengHei" pitchFamily="34" charset="-120"/>
+              </a:rPr>
+              <a:t>祂慈愛手減輕我憂慮重載</a:t>
+            </a:r>
+            <a:endParaRPr lang="en-US" altLang="zh-TW" sz="6400" b="1" dirty="0">
+              <a:solidFill>
+                <a:srgbClr val="660033"/>
+              </a:solidFill>
+              <a:latin typeface="Microsoft JhengHei" pitchFamily="34" charset="-120"/>
+              <a:ea typeface="Microsoft JhengHei" pitchFamily="34" charset="-120"/>
+            </a:endParaRPr>
+          </a:p>
+        </p:txBody>
+      </p:sp>
+    </p:spTree>
+    <p:extLst>
+      <p:ext uri="{BB962C8B-B14F-4D97-AF65-F5344CB8AC3E}">
+        <p14:creationId xmlns:p14="http://schemas.microsoft.com/office/powerpoint/2010/main" val="2638195944"/>
+      </p:ext>
+    </p:extLst>
+  </p:cSld>
+  <p:clrMapOvr>
+    <a:masterClrMapping/>
+  </p:clrMapOvr>
+  <p:timing>
+    <p:tnLst>
+      <p:par>
+        <p:cTn id="1" dur="indefinite" restart="never" nodeType="tmRoot"/>
+      </p:par>
+    </p:tnLst>
+  </p:timing>
+</p:sld>
+</file>
+
+<file path=ppt/slides/slide13.xml><?xml version="1.0" encoding="utf-8"?>
+<p:sld xmlns:a="http://schemas.openxmlformats.org/drawingml/2006/main" xmlns:r="http://schemas.openxmlformats.org/officeDocument/2006/relationships" xmlns:p="http://schemas.openxmlformats.org/presentationml/2006/main">
+  <p:cSld>
+    <p:spTree>
+      <p:nvGrpSpPr>
+        <p:cNvPr id="1" name=""/>
+        <p:cNvGrpSpPr/>
+        <p:nvPr/>
+      </p:nvGrpSpPr>
+      <p:grpSpPr>
+        <a:xfrm>
+          <a:off x="0" y="0"/>
+          <a:ext cx="0" cy="0"/>
+          <a:chOff x="0" y="0"/>
+          <a:chExt cx="0" cy="0"/>
+        </a:xfrm>
+      </p:grpSpPr>
+      <p:sp>
+        <p:nvSpPr>
+          <p:cNvPr id="5" name="內容版面配置區 4"/>
+          <p:cNvSpPr>
+            <a:spLocks noGrp="1"/>
+          </p:cNvSpPr>
+          <p:nvPr>
+            <p:ph idx="1"/>
+          </p:nvPr>
+        </p:nvSpPr>
+        <p:spPr>
+          <a:xfrm>
+            <a:off x="0" y="2084853"/>
+            <a:ext cx="12192000" cy="2404863"/>
+          </a:xfrm>
+        </p:spPr>
+        <p:txBody>
+          <a:bodyPr anchor="ctr">
+            <a:normAutofit/>
+          </a:bodyPr>
+          <a:lstStyle/>
+          <a:p>
+            <a:pPr algn="ctr">
+              <a:buNone/>
+            </a:pPr>
+            <a:r>
+              <a:rPr lang="zh-TW" altLang="en-US" sz="6400" b="1" dirty="0">
+                <a:solidFill>
+                  <a:srgbClr val="660033"/>
+                </a:solidFill>
+                <a:latin typeface="Microsoft JhengHei" pitchFamily="34" charset="-120"/>
+                <a:ea typeface="Microsoft JhengHei" pitchFamily="34" charset="-120"/>
+              </a:rPr>
+              <a:t>我願信靠祂應</a:t>
+            </a:r>
+            <a:r>
+              <a:rPr lang="zh-TW" altLang="en-US" sz="6400" b="1" dirty="0">
+                <a:solidFill>
+                  <a:srgbClr val="660033"/>
+                </a:solidFill>
+                <a:latin typeface="Microsoft JhengHei" pitchFamily="34" charset="-120"/>
+                <a:ea typeface="Microsoft JhengHei" pitchFamily="34" charset="-120"/>
+              </a:rPr>
+              <a:t>許  祂</a:t>
+            </a:r>
+            <a:r>
+              <a:rPr lang="zh-TW" altLang="en-US" sz="6400" b="1" dirty="0">
+                <a:solidFill>
+                  <a:srgbClr val="660033"/>
+                </a:solidFill>
+                <a:latin typeface="Microsoft JhengHei" pitchFamily="34" charset="-120"/>
+                <a:ea typeface="Microsoft JhengHei" pitchFamily="34" charset="-120"/>
+              </a:rPr>
+              <a:t>手信實到萬</a:t>
+            </a:r>
+            <a:r>
+              <a:rPr lang="zh-TW" altLang="en-US" sz="6400" b="1" dirty="0">
+                <a:solidFill>
+                  <a:srgbClr val="660033"/>
+                </a:solidFill>
+                <a:latin typeface="Microsoft JhengHei" pitchFamily="34" charset="-120"/>
+                <a:ea typeface="Microsoft JhengHei" pitchFamily="34" charset="-120"/>
+              </a:rPr>
+              <a:t>代</a:t>
+            </a:r>
+            <a:endParaRPr lang="en-US" altLang="zh-TW" sz="6400" b="1" dirty="0">
+              <a:solidFill>
+                <a:srgbClr val="660033"/>
+              </a:solidFill>
+              <a:latin typeface="Microsoft JhengHei" pitchFamily="34" charset="-120"/>
+              <a:ea typeface="Microsoft JhengHei" pitchFamily="34" charset="-120"/>
+            </a:endParaRPr>
+          </a:p>
+          <a:p>
+            <a:pPr algn="ctr">
+              <a:buNone/>
+            </a:pPr>
+            <a:r>
+              <a:rPr lang="zh-TW" altLang="en-US" sz="6400" b="1" dirty="0">
+                <a:solidFill>
+                  <a:srgbClr val="660033"/>
+                </a:solidFill>
+                <a:latin typeface="Microsoft JhengHei" pitchFamily="34" charset="-120"/>
+                <a:ea typeface="Microsoft JhengHei" pitchFamily="34" charset="-120"/>
+              </a:rPr>
+              <a:t>當我真需要一友神同</a:t>
+            </a:r>
+            <a:r>
+              <a:rPr lang="zh-TW" altLang="en-US" sz="6400" b="1" dirty="0">
+                <a:solidFill>
+                  <a:srgbClr val="660033"/>
+                </a:solidFill>
+                <a:latin typeface="Microsoft JhengHei" pitchFamily="34" charset="-120"/>
+                <a:ea typeface="Microsoft JhengHei" pitchFamily="34" charset="-120"/>
+              </a:rPr>
+              <a:t>在</a:t>
+            </a:r>
+            <a:endParaRPr lang="zh-TW" altLang="en-US" sz="6400" b="1" dirty="0">
+              <a:solidFill>
+                <a:srgbClr val="660033"/>
+              </a:solidFill>
+              <a:latin typeface="Microsoft JhengHei" pitchFamily="34" charset="-120"/>
+              <a:ea typeface="Microsoft JhengHei" pitchFamily="34" charset="-120"/>
+            </a:endParaRPr>
+          </a:p>
+        </p:txBody>
+      </p:sp>
+    </p:spTree>
+    <p:extLst>
+      <p:ext uri="{BB962C8B-B14F-4D97-AF65-F5344CB8AC3E}">
+        <p14:creationId xmlns:p14="http://schemas.microsoft.com/office/powerpoint/2010/main" val="528786813"/>
+      </p:ext>
+    </p:extLst>
+  </p:cSld>
+  <p:clrMapOvr>
+    <a:masterClrMapping/>
+  </p:clrMapOvr>
+  <p:timing>
+    <p:tnLst>
+      <p:par>
+        <p:cTn id="1" dur="indefinite" restart="never" nodeType="tmRoot"/>
+      </p:par>
+    </p:tnLst>
+  </p:timing>
 </p:sld>
 </file>
 
@@ -3308,127 +3961,159 @@
       </p:grpSpPr>
       <p:sp>
         <p:nvSpPr>
-          <p:cNvPr id="4" name="標題 3"/>
-          <p:cNvSpPr>
-            <a:spLocks noGrp="1"/>
-          </p:cNvSpPr>
-          <p:nvPr>
-            <p:ph type="title"/>
-          </p:nvPr>
-        </p:nvSpPr>
-        <p:spPr/>
-        <p:txBody>
-          <a:bodyPr>
+          <p:cNvPr id="5" name="內容版面配置區 4"/>
+          <p:cNvSpPr>
+            <a:spLocks noGrp="1"/>
+          </p:cNvSpPr>
+          <p:nvPr>
+            <p:ph idx="1"/>
+          </p:nvPr>
+        </p:nvSpPr>
+        <p:spPr>
+          <a:xfrm>
+            <a:off x="0" y="2084853"/>
+            <a:ext cx="12192000" cy="2404863"/>
+          </a:xfrm>
+        </p:spPr>
+        <p:txBody>
+          <a:bodyPr anchor="ctr">
             <a:normAutofit/>
           </a:bodyPr>
           <a:lstStyle/>
           <a:p>
-            <a:r>
-              <a:rPr lang="zh-TW" altLang="en-US" sz="4800" b="1" dirty="0">
-                <a:latin typeface="Microsoft JhengHei" panose="020B0604030504040204" pitchFamily="34" charset="-120"/>
-                <a:ea typeface="Microsoft JhengHei" panose="020B0604030504040204" pitchFamily="34" charset="-120"/>
-              </a:rPr>
-              <a:t>神同在</a:t>
-            </a:r>
-            <a:endParaRPr lang="zh-TW" altLang="en-US" sz="4800" b="1" dirty="0">
-              <a:latin typeface="Microsoft JhengHei" panose="020B0604030504040204" pitchFamily="34" charset="-120"/>
-              <a:ea typeface="Microsoft JhengHei" panose="020B0604030504040204" pitchFamily="34" charset="-120"/>
-            </a:endParaRPr>
-          </a:p>
-        </p:txBody>
-      </p:sp>
-      <p:sp>
-        <p:nvSpPr>
-          <p:cNvPr id="5" name="內容版面配置區 4"/>
-          <p:cNvSpPr>
-            <a:spLocks noGrp="1"/>
-          </p:cNvSpPr>
-          <p:nvPr>
-            <p:ph idx="1"/>
-          </p:nvPr>
+            <a:pPr lvl="0" algn="ctr">
+              <a:buNone/>
+            </a:pPr>
+            <a:r>
+              <a:rPr lang="zh-TW" altLang="en-US" sz="6400" b="1" dirty="0">
+                <a:solidFill>
+                  <a:srgbClr val="660033"/>
+                </a:solidFill>
+                <a:latin typeface="Microsoft JhengHei" pitchFamily="34" charset="-120"/>
+                <a:ea typeface="Microsoft JhengHei" pitchFamily="34" charset="-120"/>
+              </a:rPr>
+              <a:t>當</a:t>
+            </a:r>
+            <a:r>
+              <a:rPr lang="zh-TW" altLang="en-US" sz="6400" b="1" dirty="0">
+                <a:solidFill>
+                  <a:srgbClr val="660033"/>
+                </a:solidFill>
+                <a:latin typeface="Microsoft JhengHei" pitchFamily="34" charset="-120"/>
+                <a:ea typeface="Microsoft JhengHei" pitchFamily="34" charset="-120"/>
+              </a:rPr>
+              <a:t>我需要朋友傾訢我苦惱</a:t>
+            </a:r>
+          </a:p>
+          <a:p>
+            <a:pPr algn="ctr">
+              <a:buNone/>
+            </a:pPr>
+            <a:r>
+              <a:rPr lang="zh-TW" altLang="en-US" sz="6400" b="1" dirty="0">
+                <a:solidFill>
+                  <a:srgbClr val="660033"/>
+                </a:solidFill>
+                <a:latin typeface="Microsoft JhengHei" pitchFamily="34" charset="-120"/>
+                <a:ea typeface="Microsoft JhengHei" pitchFamily="34" charset="-120"/>
+              </a:rPr>
+              <a:t>神同在 </a:t>
+            </a:r>
+            <a:r>
+              <a:rPr lang="zh-TW" altLang="en-US" sz="6400" b="1" dirty="0">
+                <a:solidFill>
+                  <a:srgbClr val="660033"/>
+                </a:solidFill>
+                <a:latin typeface="Microsoft JhengHei" pitchFamily="34" charset="-120"/>
+                <a:ea typeface="Microsoft JhengHei" pitchFamily="34" charset="-120"/>
+              </a:rPr>
+              <a:t> 神</a:t>
+            </a:r>
+            <a:r>
+              <a:rPr lang="zh-TW" altLang="en-US" sz="6400" b="1" dirty="0">
+                <a:solidFill>
+                  <a:srgbClr val="660033"/>
+                </a:solidFill>
+                <a:latin typeface="Microsoft JhengHei" pitchFamily="34" charset="-120"/>
+                <a:ea typeface="Microsoft JhengHei" pitchFamily="34" charset="-120"/>
+              </a:rPr>
+              <a:t>同在</a:t>
+            </a:r>
+          </a:p>
+        </p:txBody>
+      </p:sp>
+      <p:sp>
+        <p:nvSpPr>
+          <p:cNvPr id="3" name="TextBox 2"/>
+          <p:cNvSpPr txBox="1"/>
+          <p:nvPr/>
         </p:nvSpPr>
         <p:spPr>
           <a:xfrm>
-            <a:off x="1981200" y="1600200"/>
-            <a:ext cx="8229600" cy="5257800"/>
+            <a:off x="0" y="5061181"/>
+            <a:ext cx="12192000" cy="666786"/>
           </a:xfrm>
+          <a:prstGeom prst="rect">
+            <a:avLst/>
+          </a:prstGeom>
+          <a:noFill/>
         </p:spPr>
         <p:txBody>
-          <a:bodyPr>
-            <a:normAutofit/>
+          <a:bodyPr wrap="square" rtlCol="0">
+            <a:spAutoFit/>
           </a:bodyPr>
           <a:lstStyle/>
           <a:p>
-            <a:pPr algn="ctr">
-              <a:buNone/>
-            </a:pPr>
-            <a:r>
-              <a:rPr lang="zh-TW" altLang="en-US" sz="5400" b="1" dirty="0">
-                <a:latin typeface="Microsoft JhengHei" panose="020B0604030504040204" pitchFamily="34" charset="-120"/>
-                <a:ea typeface="Microsoft JhengHei" panose="020B0604030504040204" pitchFamily="34" charset="-120"/>
-              </a:rPr>
-              <a:t>神同在 常同在</a:t>
-            </a:r>
-          </a:p>
-          <a:p>
-            <a:pPr algn="ctr">
-              <a:buNone/>
-            </a:pPr>
-            <a:r>
-              <a:rPr lang="zh-TW" altLang="en-US" sz="5400" b="1" dirty="0">
-                <a:latin typeface="Microsoft JhengHei" panose="020B0604030504040204" pitchFamily="34" charset="-120"/>
-                <a:ea typeface="Microsoft JhengHei" panose="020B0604030504040204" pitchFamily="34" charset="-120"/>
-              </a:rPr>
-              <a:t>祂慈愛手減輕我憂慮重載</a:t>
-            </a:r>
-            <a:endParaRPr lang="en-US" altLang="zh-TW" sz="5400" b="1" dirty="0">
-              <a:latin typeface="Microsoft JhengHei" panose="020B0604030504040204" pitchFamily="34" charset="-120"/>
-              <a:ea typeface="Microsoft JhengHei" panose="020B0604030504040204" pitchFamily="34" charset="-120"/>
+            <a:pPr algn="ctr"/>
+            <a:r>
+              <a:rPr lang="en-US" sz="3733" b="1" dirty="0">
+                <a:solidFill>
+                  <a:srgbClr val="660033"/>
+                </a:solidFill>
+              </a:rPr>
+              <a:t>( 1 / </a:t>
+            </a:r>
+            <a:r>
+              <a:rPr lang="en-US" sz="3733" b="1" dirty="0">
+                <a:solidFill>
+                  <a:srgbClr val="660033"/>
+                </a:solidFill>
+              </a:rPr>
+              <a:t>3 </a:t>
+            </a:r>
+            <a:r>
+              <a:rPr lang="en-US" sz="3733" b="1" dirty="0">
+                <a:solidFill>
+                  <a:srgbClr val="660033"/>
+                </a:solidFill>
+              </a:rPr>
+              <a:t>)</a:t>
+            </a:r>
+            <a:endParaRPr lang="vi-VN" sz="3733" b="1" dirty="0">
+              <a:solidFill>
+                <a:srgbClr val="660033"/>
+              </a:solidFill>
             </a:endParaRPr>
           </a:p>
-          <a:p>
-            <a:pPr algn="ctr">
-              <a:buNone/>
-            </a:pPr>
-            <a:r>
-              <a:rPr lang="zh-TW" altLang="en-US" sz="5400" b="1" dirty="0">
-                <a:latin typeface="Microsoft JhengHei" panose="020B0604030504040204" pitchFamily="34" charset="-120"/>
-                <a:ea typeface="Microsoft JhengHei" panose="020B0604030504040204" pitchFamily="34" charset="-120"/>
-              </a:rPr>
-              <a:t>我願信靠祂應許</a:t>
-            </a:r>
-          </a:p>
-          <a:p>
-            <a:pPr algn="ctr">
-              <a:buNone/>
-            </a:pPr>
-            <a:r>
-              <a:rPr lang="zh-TW" altLang="en-US" sz="5400" b="1" dirty="0">
-                <a:latin typeface="Microsoft JhengHei" panose="020B0604030504040204" pitchFamily="34" charset="-120"/>
-                <a:ea typeface="Microsoft JhengHei" panose="020B0604030504040204" pitchFamily="34" charset="-120"/>
-              </a:rPr>
-              <a:t>祂手信實到萬代</a:t>
-            </a:r>
-          </a:p>
-          <a:p>
-            <a:pPr algn="ctr">
-              <a:buNone/>
-            </a:pPr>
-            <a:r>
-              <a:rPr lang="zh-TW" altLang="en-US" sz="5400" b="1" dirty="0">
-                <a:latin typeface="Microsoft JhengHei" panose="020B0604030504040204" pitchFamily="34" charset="-120"/>
-                <a:ea typeface="Microsoft JhengHei" panose="020B0604030504040204" pitchFamily="34" charset="-120"/>
-              </a:rPr>
-              <a:t>當我真需要一友神同在</a:t>
-            </a:r>
-          </a:p>
         </p:txBody>
       </p:sp>
     </p:spTree>
+    <p:extLst>
+      <p:ext uri="{BB962C8B-B14F-4D97-AF65-F5344CB8AC3E}">
+        <p14:creationId xmlns:p14="http://schemas.microsoft.com/office/powerpoint/2010/main" val="2343677080"/>
+      </p:ext>
+    </p:extLst>
   </p:cSld>
   <p:clrMapOvr>
     <a:masterClrMapping/>
   </p:clrMapOvr>
+  <p:timing>
+    <p:tnLst>
+      <p:par>
+        <p:cTn id="1" dur="indefinite" restart="never" nodeType="tmRoot"/>
+      </p:par>
+    </p:tnLst>
+  </p:timing>
 </p:sld>
 </file>
 
@@ -3451,61 +4136,38 @@
       </p:grpSpPr>
       <p:sp>
         <p:nvSpPr>
-          <p:cNvPr id="4" name="標題 3"/>
-          <p:cNvSpPr>
-            <a:spLocks noGrp="1"/>
-          </p:cNvSpPr>
-          <p:nvPr>
-            <p:ph type="title"/>
-          </p:nvPr>
-        </p:nvSpPr>
-        <p:spPr/>
-        <p:txBody>
-          <a:bodyPr>
+          <p:cNvPr id="5" name="內容版面配置區 4"/>
+          <p:cNvSpPr>
+            <a:spLocks noGrp="1"/>
+          </p:cNvSpPr>
+          <p:nvPr>
+            <p:ph idx="1"/>
+          </p:nvPr>
+        </p:nvSpPr>
+        <p:spPr>
+          <a:xfrm>
+            <a:off x="0" y="2084853"/>
+            <a:ext cx="12192000" cy="2404863"/>
+          </a:xfrm>
+        </p:spPr>
+        <p:txBody>
+          <a:bodyPr anchor="ctr">
             <a:normAutofit/>
           </a:bodyPr>
           <a:lstStyle/>
           <a:p>
-            <a:r>
-              <a:rPr lang="zh-TW" altLang="en-US" sz="4800" b="1" dirty="0">
-                <a:latin typeface="Microsoft JhengHei" panose="020B0604030504040204" pitchFamily="34" charset="-120"/>
-                <a:ea typeface="Microsoft JhengHei" panose="020B0604030504040204" pitchFamily="34" charset="-120"/>
-              </a:rPr>
-              <a:t>神同在</a:t>
-            </a:r>
-            <a:endParaRPr lang="zh-TW" altLang="en-US" sz="4800" b="1" dirty="0">
-              <a:latin typeface="Microsoft JhengHei" panose="020B0604030504040204" pitchFamily="34" charset="-120"/>
-              <a:ea typeface="Microsoft JhengHei" panose="020B0604030504040204" pitchFamily="34" charset="-120"/>
-            </a:endParaRPr>
-          </a:p>
-        </p:txBody>
-      </p:sp>
-      <p:sp>
-        <p:nvSpPr>
-          <p:cNvPr id="5" name="內容版面配置區 4"/>
-          <p:cNvSpPr>
-            <a:spLocks noGrp="1"/>
-          </p:cNvSpPr>
-          <p:nvPr>
-            <p:ph idx="1"/>
-          </p:nvPr>
-        </p:nvSpPr>
-        <p:spPr/>
-        <p:txBody>
-          <a:bodyPr>
-            <a:normAutofit/>
-          </a:bodyPr>
-          <a:lstStyle/>
-          <a:p>
-            <a:pPr lvl="0" algn="ctr">
+            <a:pPr algn="ctr">
               <a:buNone/>
             </a:pPr>
             <a:r>
-              <a:rPr lang="zh-TW" altLang="en-US" sz="5400" b="1" dirty="0">
-                <a:latin typeface="Microsoft JhengHei" panose="020B0604030504040204" pitchFamily="34" charset="-120"/>
-                <a:ea typeface="Microsoft JhengHei" panose="020B0604030504040204" pitchFamily="34" charset="-120"/>
-              </a:rPr>
-              <a:t>當我需要朋友關懷我困苦</a:t>
+              <a:rPr lang="zh-TW" altLang="en-US" sz="6400" b="1" dirty="0">
+                <a:solidFill>
+                  <a:srgbClr val="660033"/>
+                </a:solidFill>
+                <a:latin typeface="Microsoft JhengHei" pitchFamily="34" charset="-120"/>
+                <a:ea typeface="Microsoft JhengHei" pitchFamily="34" charset="-120"/>
+              </a:rPr>
+              <a:t>當我需要朋友加給我力量</a:t>
             </a:r>
           </a:p>
           <a:p>
@@ -3513,53 +4175,48 @@
               <a:buNone/>
             </a:pPr>
             <a:r>
-              <a:rPr lang="zh-TW" altLang="en-US" sz="5400" b="1" dirty="0">
-                <a:latin typeface="Microsoft JhengHei" panose="020B0604030504040204" pitchFamily="34" charset="-120"/>
-                <a:ea typeface="Microsoft JhengHei" panose="020B0604030504040204" pitchFamily="34" charset="-120"/>
-              </a:rPr>
-              <a:t>神同在 神同在</a:t>
-            </a:r>
-            <a:endParaRPr lang="en-US" altLang="zh-TW" sz="5400" b="1" dirty="0">
-              <a:latin typeface="Microsoft JhengHei" panose="020B0604030504040204" pitchFamily="34" charset="-120"/>
-              <a:ea typeface="Microsoft JhengHei" panose="020B0604030504040204" pitchFamily="34" charset="-120"/>
-            </a:endParaRPr>
-          </a:p>
-          <a:p>
-            <a:pPr algn="ctr">
-              <a:buNone/>
-            </a:pPr>
-            <a:r>
-              <a:rPr lang="zh-TW" altLang="en-US" sz="5400" b="1" dirty="0">
-                <a:latin typeface="Microsoft JhengHei" panose="020B0604030504040204" pitchFamily="34" charset="-120"/>
-                <a:ea typeface="Microsoft JhengHei" panose="020B0604030504040204" pitchFamily="34" charset="-120"/>
-              </a:rPr>
-              <a:t>當我需要朋友助我做得好</a:t>
-            </a:r>
-          </a:p>
-          <a:p>
-            <a:pPr algn="ctr">
-              <a:buNone/>
-            </a:pPr>
-            <a:r>
-              <a:rPr lang="zh-TW" altLang="en-US" sz="5400" b="1" dirty="0">
-                <a:latin typeface="Microsoft JhengHei" panose="020B0604030504040204" pitchFamily="34" charset="-120"/>
-                <a:ea typeface="Microsoft JhengHei" panose="020B0604030504040204" pitchFamily="34" charset="-120"/>
-              </a:rPr>
-              <a:t>神同在 常同在</a:t>
-            </a:r>
-          </a:p>
-        </p:txBody>
-      </p:sp>
-      <p:sp>
-        <p:nvSpPr>
-          <p:cNvPr id="6" name="TextBox 5"/>
+              <a:rPr lang="zh-TW" altLang="en-US" sz="6400" b="1" dirty="0">
+                <a:solidFill>
+                  <a:srgbClr val="660033"/>
+                </a:solidFill>
+                <a:latin typeface="Microsoft JhengHei" pitchFamily="34" charset="-120"/>
+                <a:ea typeface="Microsoft JhengHei" pitchFamily="34" charset="-120"/>
+              </a:rPr>
+              <a:t>神同在 </a:t>
+            </a:r>
+            <a:r>
+              <a:rPr lang="zh-TW" altLang="en-US" sz="6400" b="1" dirty="0">
+                <a:solidFill>
+                  <a:srgbClr val="660033"/>
+                </a:solidFill>
+                <a:latin typeface="Microsoft JhengHei" pitchFamily="34" charset="-120"/>
+                <a:ea typeface="Microsoft JhengHei" pitchFamily="34" charset="-120"/>
+              </a:rPr>
+              <a:t> 常</a:t>
+            </a:r>
+            <a:r>
+              <a:rPr lang="zh-TW" altLang="en-US" sz="6400" b="1" dirty="0">
+                <a:solidFill>
+                  <a:srgbClr val="660033"/>
+                </a:solidFill>
+                <a:latin typeface="Microsoft JhengHei" pitchFamily="34" charset="-120"/>
+                <a:ea typeface="Microsoft JhengHei" pitchFamily="34" charset="-120"/>
+              </a:rPr>
+              <a:t>同在</a:t>
+            </a:r>
+          </a:p>
+        </p:txBody>
+      </p:sp>
+      <p:sp>
+        <p:nvSpPr>
+          <p:cNvPr id="3" name="TextBox 2"/>
           <p:cNvSpPr txBox="1"/>
           <p:nvPr/>
         </p:nvSpPr>
         <p:spPr>
           <a:xfrm>
-            <a:off x="767408" y="1589617"/>
-            <a:ext cx="1080120" cy="1015663"/>
+            <a:off x="0" y="5061181"/>
+            <a:ext cx="12192000" cy="666786"/>
           </a:xfrm>
           <a:prstGeom prst="rect">
             <a:avLst/>
@@ -3572,23 +4229,56 @@
           </a:bodyPr>
           <a:lstStyle/>
           <a:p>
-            <a:r>
-              <a:rPr lang="en-US" sz="6000" b="1" dirty="0"/>
-              <a:t>2</a:t>
-            </a:r>
-            <a:r>
-              <a:rPr lang="en-US" sz="6000" b="1" dirty="0" smtClean="0"/>
-              <a:t>.</a:t>
-            </a:r>
-            <a:endParaRPr lang="vi-VN" sz="6000" b="1" dirty="0"/>
+            <a:pPr algn="ctr"/>
+            <a:r>
+              <a:rPr lang="en-US" sz="3733" b="1" dirty="0">
+                <a:solidFill>
+                  <a:srgbClr val="660033"/>
+                </a:solidFill>
+              </a:rPr>
+              <a:t>( 1 / </a:t>
+            </a:r>
+            <a:r>
+              <a:rPr lang="en-US" sz="3733" b="1" dirty="0">
+                <a:solidFill>
+                  <a:srgbClr val="660033"/>
+                </a:solidFill>
+              </a:rPr>
+              <a:t>3 </a:t>
+            </a:r>
+            <a:r>
+              <a:rPr lang="en-US" sz="3733" b="1" dirty="0">
+                <a:solidFill>
+                  <a:srgbClr val="660033"/>
+                </a:solidFill>
+              </a:rPr>
+              <a:t>)</a:t>
+            </a:r>
+            <a:endParaRPr lang="vi-VN" sz="3733" b="1" dirty="0">
+              <a:solidFill>
+                <a:srgbClr val="660033"/>
+              </a:solidFill>
+            </a:endParaRPr>
           </a:p>
         </p:txBody>
       </p:sp>
     </p:spTree>
+    <p:extLst>
+      <p:ext uri="{BB962C8B-B14F-4D97-AF65-F5344CB8AC3E}">
+        <p14:creationId xmlns:p14="http://schemas.microsoft.com/office/powerpoint/2010/main" val="3587479774"/>
+      </p:ext>
+    </p:extLst>
   </p:cSld>
   <p:clrMapOvr>
     <a:masterClrMapping/>
   </p:clrMapOvr>
+  <p:timing>
+    <p:tnLst>
+      <p:par>
+        <p:cTn id="1" dur="indefinite" restart="never" nodeType="tmRoot"/>
+      </p:par>
+    </p:tnLst>
+  </p:timing>
 </p:sld>
 </file>
 
@@ -3611,127 +4301,101 @@
       </p:grpSpPr>
       <p:sp>
         <p:nvSpPr>
-          <p:cNvPr id="4" name="標題 3"/>
-          <p:cNvSpPr>
-            <a:spLocks noGrp="1"/>
-          </p:cNvSpPr>
-          <p:nvPr>
-            <p:ph type="title"/>
-          </p:nvPr>
-        </p:nvSpPr>
-        <p:spPr/>
-        <p:txBody>
-          <a:bodyPr>
+          <p:cNvPr id="5" name="內容版面配置區 4"/>
+          <p:cNvSpPr>
+            <a:spLocks noGrp="1"/>
+          </p:cNvSpPr>
+          <p:nvPr>
+            <p:ph idx="1"/>
+          </p:nvPr>
+        </p:nvSpPr>
+        <p:spPr>
+          <a:xfrm>
+            <a:off x="0" y="2084853"/>
+            <a:ext cx="12192000" cy="2404863"/>
+          </a:xfrm>
+        </p:spPr>
+        <p:txBody>
+          <a:bodyPr anchor="ctr">
             <a:normAutofit/>
           </a:bodyPr>
           <a:lstStyle/>
           <a:p>
-            <a:r>
-              <a:rPr lang="zh-TW" altLang="en-US" sz="4800" b="1" dirty="0">
-                <a:latin typeface="Microsoft JhengHei" panose="020B0604030504040204" pitchFamily="34" charset="-120"/>
-                <a:ea typeface="Microsoft JhengHei" panose="020B0604030504040204" pitchFamily="34" charset="-120"/>
-              </a:rPr>
-              <a:t>神同在</a:t>
-            </a:r>
-            <a:endParaRPr lang="zh-TW" altLang="en-US" sz="4800" b="1" dirty="0">
-              <a:latin typeface="Microsoft JhengHei" panose="020B0604030504040204" pitchFamily="34" charset="-120"/>
-              <a:ea typeface="Microsoft JhengHei" panose="020B0604030504040204" pitchFamily="34" charset="-120"/>
+            <a:pPr algn="ctr">
+              <a:buNone/>
+            </a:pPr>
+            <a:r>
+              <a:rPr lang="zh-TW" altLang="en-US" sz="6400" b="1" dirty="0">
+                <a:solidFill>
+                  <a:srgbClr val="660033"/>
+                </a:solidFill>
+                <a:latin typeface="Microsoft JhengHei" pitchFamily="34" charset="-120"/>
+                <a:ea typeface="Microsoft JhengHei" pitchFamily="34" charset="-120"/>
+              </a:rPr>
+              <a:t>神同</a:t>
+            </a:r>
+            <a:r>
+              <a:rPr lang="zh-TW" altLang="en-US" sz="6400" b="1" dirty="0">
+                <a:solidFill>
+                  <a:srgbClr val="660033"/>
+                </a:solidFill>
+                <a:latin typeface="Microsoft JhengHei" pitchFamily="34" charset="-120"/>
+                <a:ea typeface="Microsoft JhengHei" pitchFamily="34" charset="-120"/>
+              </a:rPr>
+              <a:t>在  常</a:t>
+            </a:r>
+            <a:r>
+              <a:rPr lang="zh-TW" altLang="en-US" sz="6400" b="1" dirty="0">
+                <a:solidFill>
+                  <a:srgbClr val="660033"/>
+                </a:solidFill>
+                <a:latin typeface="Microsoft JhengHei" pitchFamily="34" charset="-120"/>
+                <a:ea typeface="Microsoft JhengHei" pitchFamily="34" charset="-120"/>
+              </a:rPr>
+              <a:t>同在</a:t>
+            </a:r>
+          </a:p>
+          <a:p>
+            <a:pPr algn="ctr">
+              <a:buNone/>
+            </a:pPr>
+            <a:r>
+              <a:rPr lang="zh-TW" altLang="en-US" sz="6400" b="1" dirty="0">
+                <a:solidFill>
+                  <a:srgbClr val="660033"/>
+                </a:solidFill>
+                <a:latin typeface="Microsoft JhengHei" pitchFamily="34" charset="-120"/>
+                <a:ea typeface="Microsoft JhengHei" pitchFamily="34" charset="-120"/>
+              </a:rPr>
+              <a:t>祂慈愛手減輕我憂慮重載</a:t>
+            </a:r>
+            <a:endParaRPr lang="en-US" altLang="zh-TW" sz="6400" b="1" dirty="0">
+              <a:solidFill>
+                <a:srgbClr val="660033"/>
+              </a:solidFill>
+              <a:latin typeface="Microsoft JhengHei" pitchFamily="34" charset="-120"/>
+              <a:ea typeface="Microsoft JhengHei" pitchFamily="34" charset="-120"/>
             </a:endParaRPr>
           </a:p>
         </p:txBody>
       </p:sp>
-      <p:sp>
-        <p:nvSpPr>
-          <p:cNvPr id="5" name="內容版面配置區 4"/>
-          <p:cNvSpPr>
-            <a:spLocks noGrp="1"/>
-          </p:cNvSpPr>
-          <p:nvPr>
-            <p:ph idx="1"/>
-          </p:nvPr>
-        </p:nvSpPr>
-        <p:spPr>
-          <a:xfrm>
-            <a:off x="1981200" y="1600200"/>
-            <a:ext cx="8229600" cy="5257800"/>
-          </a:xfrm>
-        </p:spPr>
-        <p:txBody>
-          <a:bodyPr>
-            <a:normAutofit/>
-          </a:bodyPr>
-          <a:lstStyle/>
-          <a:p>
-            <a:pPr algn="ctr">
-              <a:buNone/>
-            </a:pPr>
-            <a:r>
-              <a:rPr lang="zh-TW" altLang="en-US" sz="5400" b="1" dirty="0">
-                <a:latin typeface="Microsoft JhengHei" panose="020B0604030504040204" pitchFamily="34" charset="-120"/>
-                <a:ea typeface="Microsoft JhengHei" panose="020B0604030504040204" pitchFamily="34" charset="-120"/>
-              </a:rPr>
-              <a:t>神同在 常同在</a:t>
-            </a:r>
-          </a:p>
-          <a:p>
-            <a:pPr algn="ctr">
-              <a:buNone/>
-            </a:pPr>
-            <a:r>
-              <a:rPr lang="zh-TW" altLang="en-US" sz="5400" b="1" dirty="0">
-                <a:latin typeface="Microsoft JhengHei" panose="020B0604030504040204" pitchFamily="34" charset="-120"/>
-                <a:ea typeface="Microsoft JhengHei" panose="020B0604030504040204" pitchFamily="34" charset="-120"/>
-              </a:rPr>
-              <a:t>祂慈愛手減輕我憂慮重載</a:t>
-            </a:r>
-            <a:endParaRPr lang="en-US" altLang="zh-TW" sz="5400" b="1" dirty="0">
-              <a:latin typeface="Microsoft JhengHei" panose="020B0604030504040204" pitchFamily="34" charset="-120"/>
-              <a:ea typeface="Microsoft JhengHei" panose="020B0604030504040204" pitchFamily="34" charset="-120"/>
-            </a:endParaRPr>
-          </a:p>
-          <a:p>
-            <a:pPr algn="ctr">
-              <a:buNone/>
-            </a:pPr>
-            <a:r>
-              <a:rPr lang="zh-TW" altLang="en-US" sz="5400" b="1" dirty="0">
-                <a:latin typeface="Microsoft JhengHei" panose="020B0604030504040204" pitchFamily="34" charset="-120"/>
-                <a:ea typeface="Microsoft JhengHei" panose="020B0604030504040204" pitchFamily="34" charset="-120"/>
-              </a:rPr>
-              <a:t>我願信靠祂應許</a:t>
-            </a:r>
-          </a:p>
-          <a:p>
-            <a:pPr algn="ctr">
-              <a:buNone/>
-            </a:pPr>
-            <a:r>
-              <a:rPr lang="zh-TW" altLang="en-US" sz="5400" b="1" dirty="0">
-                <a:latin typeface="Microsoft JhengHei" panose="020B0604030504040204" pitchFamily="34" charset="-120"/>
-                <a:ea typeface="Microsoft JhengHei" panose="020B0604030504040204" pitchFamily="34" charset="-120"/>
-              </a:rPr>
-              <a:t>祂手信實到萬代</a:t>
-            </a:r>
-          </a:p>
-          <a:p>
-            <a:pPr algn="ctr">
-              <a:buNone/>
-            </a:pPr>
-            <a:r>
-              <a:rPr lang="zh-TW" altLang="en-US" sz="5400" b="1" dirty="0">
-                <a:latin typeface="Microsoft JhengHei" panose="020B0604030504040204" pitchFamily="34" charset="-120"/>
-                <a:ea typeface="Microsoft JhengHei" panose="020B0604030504040204" pitchFamily="34" charset="-120"/>
-              </a:rPr>
-              <a:t>當我真需要一友神同在</a:t>
-            </a:r>
-          </a:p>
-        </p:txBody>
-      </p:sp>
     </p:spTree>
+    <p:extLst>
+      <p:ext uri="{BB962C8B-B14F-4D97-AF65-F5344CB8AC3E}">
+        <p14:creationId xmlns:p14="http://schemas.microsoft.com/office/powerpoint/2010/main" val="1817867427"/>
+      </p:ext>
+    </p:extLst>
   </p:cSld>
   <p:clrMapOvr>
     <a:masterClrMapping/>
   </p:clrMapOvr>
+  <p:timing>
+    <p:tnLst>
+      <p:par>
+        <p:cTn id="1" dur="indefinite" restart="never" nodeType="tmRoot"/>
+      </p:par>
+    </p:tnLst>
+  </p:timing>
 </p:sld>
 </file>
 
@@ -3754,144 +4418,128 @@
       </p:grpSpPr>
       <p:sp>
         <p:nvSpPr>
-          <p:cNvPr id="4" name="標題 3"/>
-          <p:cNvSpPr>
-            <a:spLocks noGrp="1"/>
-          </p:cNvSpPr>
-          <p:nvPr>
-            <p:ph type="title"/>
-          </p:nvPr>
-        </p:nvSpPr>
-        <p:spPr/>
-        <p:txBody>
-          <a:bodyPr>
+          <p:cNvPr id="5" name="內容版面配置區 4"/>
+          <p:cNvSpPr>
+            <a:spLocks noGrp="1"/>
+          </p:cNvSpPr>
+          <p:nvPr>
+            <p:ph idx="1"/>
+          </p:nvPr>
+        </p:nvSpPr>
+        <p:spPr>
+          <a:xfrm>
+            <a:off x="0" y="2084853"/>
+            <a:ext cx="12192000" cy="2404863"/>
+          </a:xfrm>
+        </p:spPr>
+        <p:txBody>
+          <a:bodyPr anchor="ctr">
             <a:normAutofit/>
           </a:bodyPr>
           <a:lstStyle/>
           <a:p>
-            <a:r>
-              <a:rPr lang="zh-TW" altLang="en-US" sz="4800" b="1" dirty="0">
-                <a:latin typeface="Microsoft JhengHei" panose="020B0604030504040204" pitchFamily="34" charset="-120"/>
-                <a:ea typeface="Microsoft JhengHei" panose="020B0604030504040204" pitchFamily="34" charset="-120"/>
-              </a:rPr>
-              <a:t>神同在</a:t>
-            </a:r>
-            <a:endParaRPr lang="zh-TW" altLang="en-US" sz="4800" b="1" dirty="0">
-              <a:latin typeface="Microsoft JhengHei" panose="020B0604030504040204" pitchFamily="34" charset="-120"/>
-              <a:ea typeface="Microsoft JhengHei" panose="020B0604030504040204" pitchFamily="34" charset="-120"/>
+            <a:pPr algn="ctr">
+              <a:buNone/>
+            </a:pPr>
+            <a:r>
+              <a:rPr lang="zh-TW" altLang="en-US" sz="6400" b="1" dirty="0">
+                <a:solidFill>
+                  <a:srgbClr val="660033"/>
+                </a:solidFill>
+                <a:latin typeface="Microsoft JhengHei" pitchFamily="34" charset="-120"/>
+                <a:ea typeface="Microsoft JhengHei" pitchFamily="34" charset="-120"/>
+              </a:rPr>
+              <a:t>我願信靠祂應</a:t>
+            </a:r>
+            <a:r>
+              <a:rPr lang="zh-TW" altLang="en-US" sz="6400" b="1" dirty="0">
+                <a:solidFill>
+                  <a:srgbClr val="660033"/>
+                </a:solidFill>
+                <a:latin typeface="Microsoft JhengHei" pitchFamily="34" charset="-120"/>
+                <a:ea typeface="Microsoft JhengHei" pitchFamily="34" charset="-120"/>
+              </a:rPr>
+              <a:t>許  祂</a:t>
+            </a:r>
+            <a:r>
+              <a:rPr lang="zh-TW" altLang="en-US" sz="6400" b="1" dirty="0">
+                <a:solidFill>
+                  <a:srgbClr val="660033"/>
+                </a:solidFill>
+                <a:latin typeface="Microsoft JhengHei" pitchFamily="34" charset="-120"/>
+                <a:ea typeface="Microsoft JhengHei" pitchFamily="34" charset="-120"/>
+              </a:rPr>
+              <a:t>手信實到萬</a:t>
+            </a:r>
+            <a:r>
+              <a:rPr lang="zh-TW" altLang="en-US" sz="6400" b="1" dirty="0">
+                <a:solidFill>
+                  <a:srgbClr val="660033"/>
+                </a:solidFill>
+                <a:latin typeface="Microsoft JhengHei" pitchFamily="34" charset="-120"/>
+                <a:ea typeface="Microsoft JhengHei" pitchFamily="34" charset="-120"/>
+              </a:rPr>
+              <a:t>代</a:t>
+            </a:r>
+            <a:endParaRPr lang="en-US" altLang="zh-TW" sz="6400" b="1" dirty="0">
+              <a:solidFill>
+                <a:srgbClr val="660033"/>
+              </a:solidFill>
+              <a:latin typeface="Microsoft JhengHei" pitchFamily="34" charset="-120"/>
+              <a:ea typeface="Microsoft JhengHei" pitchFamily="34" charset="-120"/>
             </a:endParaRPr>
           </a:p>
-        </p:txBody>
-      </p:sp>
-      <p:sp>
-        <p:nvSpPr>
-          <p:cNvPr id="5" name="內容版面配置區 4"/>
-          <p:cNvSpPr>
-            <a:spLocks noGrp="1"/>
-          </p:cNvSpPr>
-          <p:nvPr>
-            <p:ph idx="1"/>
-          </p:nvPr>
-        </p:nvSpPr>
-        <p:spPr/>
-        <p:txBody>
-          <a:bodyPr>
-            <a:normAutofit/>
-          </a:bodyPr>
-          <a:lstStyle/>
-          <a:p>
-            <a:pPr lvl="0" algn="ctr">
+          <a:p>
+            <a:pPr algn="ctr">
               <a:buNone/>
             </a:pPr>
             <a:r>
-              <a:rPr lang="zh-TW" altLang="en-US" sz="5400" b="1" dirty="0">
-                <a:latin typeface="Microsoft JhengHei" panose="020B0604030504040204" pitchFamily="34" charset="-120"/>
-                <a:ea typeface="Microsoft JhengHei" panose="020B0604030504040204" pitchFamily="34" charset="-120"/>
-              </a:rPr>
-              <a:t>當我需要朋友領我過黑夜</a:t>
-            </a:r>
-          </a:p>
-          <a:p>
-            <a:pPr algn="ctr">
-              <a:buNone/>
-            </a:pPr>
-            <a:r>
-              <a:rPr lang="zh-TW" altLang="en-US" sz="5400" b="1" dirty="0">
-                <a:latin typeface="Microsoft JhengHei" panose="020B0604030504040204" pitchFamily="34" charset="-120"/>
-                <a:ea typeface="Microsoft JhengHei" panose="020B0604030504040204" pitchFamily="34" charset="-120"/>
-              </a:rPr>
-              <a:t>神同在 神同在</a:t>
-            </a:r>
-            <a:endParaRPr lang="en-US" altLang="zh-TW" sz="5400" b="1" dirty="0">
-              <a:latin typeface="Microsoft JhengHei" panose="020B0604030504040204" pitchFamily="34" charset="-120"/>
-              <a:ea typeface="Microsoft JhengHei" panose="020B0604030504040204" pitchFamily="34" charset="-120"/>
+              <a:rPr lang="zh-TW" altLang="en-US" sz="6400" b="1" dirty="0">
+                <a:solidFill>
+                  <a:srgbClr val="660033"/>
+                </a:solidFill>
+                <a:latin typeface="Microsoft JhengHei" pitchFamily="34" charset="-120"/>
+                <a:ea typeface="Microsoft JhengHei" pitchFamily="34" charset="-120"/>
+              </a:rPr>
+              <a:t>當我真需要一友神同</a:t>
+            </a:r>
+            <a:r>
+              <a:rPr lang="zh-TW" altLang="en-US" sz="6400" b="1" dirty="0">
+                <a:solidFill>
+                  <a:srgbClr val="660033"/>
+                </a:solidFill>
+                <a:latin typeface="Microsoft JhengHei" pitchFamily="34" charset="-120"/>
+                <a:ea typeface="Microsoft JhengHei" pitchFamily="34" charset="-120"/>
+              </a:rPr>
+              <a:t>在</a:t>
+            </a:r>
+            <a:endParaRPr lang="zh-TW" altLang="en-US" sz="6400" b="1" dirty="0">
+              <a:solidFill>
+                <a:srgbClr val="660033"/>
+              </a:solidFill>
+              <a:latin typeface="Microsoft JhengHei" pitchFamily="34" charset="-120"/>
+              <a:ea typeface="Microsoft JhengHei" pitchFamily="34" charset="-120"/>
             </a:endParaRPr>
           </a:p>
-          <a:p>
-            <a:pPr algn="ctr">
-              <a:buNone/>
-            </a:pPr>
-            <a:r>
-              <a:rPr lang="zh-TW" altLang="en-US" sz="5400" b="1" dirty="0">
-                <a:latin typeface="Microsoft JhengHei" panose="020B0604030504040204" pitchFamily="34" charset="-120"/>
-                <a:ea typeface="Microsoft JhengHei" panose="020B0604030504040204" pitchFamily="34" charset="-120"/>
-              </a:rPr>
-              <a:t>當我需要朋友使我路光明</a:t>
-            </a:r>
-          </a:p>
-          <a:p>
-            <a:pPr algn="ctr">
-              <a:buNone/>
-            </a:pPr>
-            <a:r>
-              <a:rPr lang="zh-TW" altLang="en-US" sz="5400" b="1" dirty="0">
-                <a:latin typeface="Microsoft JhengHei" panose="020B0604030504040204" pitchFamily="34" charset="-120"/>
-                <a:ea typeface="Microsoft JhengHei" panose="020B0604030504040204" pitchFamily="34" charset="-120"/>
-              </a:rPr>
-              <a:t>神同在 常同在</a:t>
-            </a:r>
-          </a:p>
-        </p:txBody>
-      </p:sp>
-      <p:sp>
-        <p:nvSpPr>
-          <p:cNvPr id="6" name="TextBox 5"/>
-          <p:cNvSpPr txBox="1"/>
-          <p:nvPr/>
-        </p:nvSpPr>
-        <p:spPr>
-          <a:xfrm>
-            <a:off x="767408" y="1589617"/>
-            <a:ext cx="1080120" cy="1015663"/>
-          </a:xfrm>
-          <a:prstGeom prst="rect">
-            <a:avLst/>
-          </a:prstGeom>
-          <a:noFill/>
-        </p:spPr>
-        <p:txBody>
-          <a:bodyPr wrap="square" rtlCol="0">
-            <a:spAutoFit/>
-          </a:bodyPr>
-          <a:lstStyle/>
-          <a:p>
-            <a:r>
-              <a:rPr lang="en-US" sz="6000" b="1" dirty="0"/>
-              <a:t>3</a:t>
-            </a:r>
-            <a:r>
-              <a:rPr lang="en-US" sz="6000" b="1" dirty="0" smtClean="0"/>
-              <a:t>.</a:t>
-            </a:r>
-            <a:endParaRPr lang="vi-VN" sz="6000" b="1" dirty="0"/>
-          </a:p>
         </p:txBody>
       </p:sp>
     </p:spTree>
+    <p:extLst>
+      <p:ext uri="{BB962C8B-B14F-4D97-AF65-F5344CB8AC3E}">
+        <p14:creationId xmlns:p14="http://schemas.microsoft.com/office/powerpoint/2010/main" val="3766694543"/>
+      </p:ext>
+    </p:extLst>
   </p:cSld>
   <p:clrMapOvr>
     <a:masterClrMapping/>
   </p:clrMapOvr>
+  <p:timing>
+    <p:tnLst>
+      <p:par>
+        <p:cTn id="1" dur="indefinite" restart="never" nodeType="tmRoot"/>
+      </p:par>
+    </p:tnLst>
+  </p:timing>
 </p:sld>
 </file>
 
@@ -3914,127 +4562,614 @@
       </p:grpSpPr>
       <p:sp>
         <p:nvSpPr>
-          <p:cNvPr id="4" name="標題 3"/>
-          <p:cNvSpPr>
-            <a:spLocks noGrp="1"/>
-          </p:cNvSpPr>
-          <p:nvPr>
-            <p:ph type="title"/>
-          </p:nvPr>
-        </p:nvSpPr>
-        <p:spPr/>
-        <p:txBody>
-          <a:bodyPr>
+          <p:cNvPr id="5" name="內容版面配置區 4"/>
+          <p:cNvSpPr>
+            <a:spLocks noGrp="1"/>
+          </p:cNvSpPr>
+          <p:nvPr>
+            <p:ph idx="1"/>
+          </p:nvPr>
+        </p:nvSpPr>
+        <p:spPr>
+          <a:xfrm>
+            <a:off x="0" y="2084853"/>
+            <a:ext cx="12192000" cy="2404863"/>
+          </a:xfrm>
+        </p:spPr>
+        <p:txBody>
+          <a:bodyPr anchor="ctr">
             <a:normAutofit/>
           </a:bodyPr>
           <a:lstStyle/>
           <a:p>
-            <a:r>
-              <a:rPr lang="zh-TW" altLang="en-US" sz="4800" b="1" dirty="0">
-                <a:latin typeface="Microsoft JhengHei" panose="020B0604030504040204" pitchFamily="34" charset="-120"/>
-                <a:ea typeface="Microsoft JhengHei" panose="020B0604030504040204" pitchFamily="34" charset="-120"/>
-              </a:rPr>
-              <a:t>神同在</a:t>
-            </a:r>
-            <a:endParaRPr lang="zh-TW" altLang="en-US" sz="4800" b="1" dirty="0">
-              <a:latin typeface="Microsoft JhengHei" panose="020B0604030504040204" pitchFamily="34" charset="-120"/>
-              <a:ea typeface="Microsoft JhengHei" panose="020B0604030504040204" pitchFamily="34" charset="-120"/>
+            <a:pPr lvl="0" algn="ctr">
+              <a:buNone/>
+            </a:pPr>
+            <a:r>
+              <a:rPr lang="zh-TW" altLang="en-US" sz="6400" b="1" dirty="0">
+                <a:solidFill>
+                  <a:srgbClr val="660033"/>
+                </a:solidFill>
+                <a:latin typeface="Microsoft JhengHei" pitchFamily="34" charset="-120"/>
+                <a:ea typeface="Microsoft JhengHei" pitchFamily="34" charset="-120"/>
+              </a:rPr>
+              <a:t>當我需要朋友關懷我困苦</a:t>
+            </a:r>
+          </a:p>
+          <a:p>
+            <a:pPr algn="ctr">
+              <a:buNone/>
+            </a:pPr>
+            <a:r>
+              <a:rPr lang="zh-TW" altLang="en-US" sz="6400" b="1" dirty="0">
+                <a:solidFill>
+                  <a:srgbClr val="660033"/>
+                </a:solidFill>
+                <a:latin typeface="Microsoft JhengHei" pitchFamily="34" charset="-120"/>
+                <a:ea typeface="Microsoft JhengHei" pitchFamily="34" charset="-120"/>
+              </a:rPr>
+              <a:t>神同在 </a:t>
+            </a:r>
+            <a:r>
+              <a:rPr lang="zh-TW" altLang="en-US" sz="6400" b="1" dirty="0">
+                <a:solidFill>
+                  <a:srgbClr val="660033"/>
+                </a:solidFill>
+                <a:latin typeface="Microsoft JhengHei" pitchFamily="34" charset="-120"/>
+                <a:ea typeface="Microsoft JhengHei" pitchFamily="34" charset="-120"/>
+              </a:rPr>
+              <a:t> 神</a:t>
+            </a:r>
+            <a:r>
+              <a:rPr lang="zh-TW" altLang="en-US" sz="6400" b="1" dirty="0">
+                <a:solidFill>
+                  <a:srgbClr val="660033"/>
+                </a:solidFill>
+                <a:latin typeface="Microsoft JhengHei" pitchFamily="34" charset="-120"/>
+                <a:ea typeface="Microsoft JhengHei" pitchFamily="34" charset="-120"/>
+              </a:rPr>
+              <a:t>同在</a:t>
+            </a:r>
+            <a:endParaRPr lang="en-US" altLang="zh-TW" sz="6400" b="1" dirty="0">
+              <a:solidFill>
+                <a:srgbClr val="660033"/>
+              </a:solidFill>
+              <a:latin typeface="Microsoft JhengHei" pitchFamily="34" charset="-120"/>
+              <a:ea typeface="Microsoft JhengHei" pitchFamily="34" charset="-120"/>
             </a:endParaRPr>
           </a:p>
         </p:txBody>
       </p:sp>
       <p:sp>
         <p:nvSpPr>
-          <p:cNvPr id="5" name="內容版面配置區 4"/>
-          <p:cNvSpPr>
-            <a:spLocks noGrp="1"/>
-          </p:cNvSpPr>
-          <p:nvPr>
-            <p:ph idx="1"/>
-          </p:nvPr>
+          <p:cNvPr id="3" name="TextBox 2"/>
+          <p:cNvSpPr txBox="1"/>
+          <p:nvPr/>
         </p:nvSpPr>
         <p:spPr>
           <a:xfrm>
-            <a:off x="1981200" y="1600200"/>
-            <a:ext cx="8229600" cy="5257800"/>
+            <a:off x="0" y="5061181"/>
+            <a:ext cx="12192000" cy="666786"/>
           </a:xfrm>
+          <a:prstGeom prst="rect">
+            <a:avLst/>
+          </a:prstGeom>
+          <a:noFill/>
         </p:spPr>
         <p:txBody>
-          <a:bodyPr>
-            <a:normAutofit/>
+          <a:bodyPr wrap="square" rtlCol="0">
+            <a:spAutoFit/>
           </a:bodyPr>
           <a:lstStyle/>
           <a:p>
-            <a:pPr algn="ctr">
-              <a:buNone/>
-            </a:pPr>
-            <a:r>
-              <a:rPr lang="zh-TW" altLang="en-US" sz="5400" b="1" dirty="0">
-                <a:latin typeface="Microsoft JhengHei" panose="020B0604030504040204" pitchFamily="34" charset="-120"/>
-                <a:ea typeface="Microsoft JhengHei" panose="020B0604030504040204" pitchFamily="34" charset="-120"/>
-              </a:rPr>
-              <a:t>神同在 常同在</a:t>
-            </a:r>
-          </a:p>
-          <a:p>
-            <a:pPr algn="ctr">
-              <a:buNone/>
-            </a:pPr>
-            <a:r>
-              <a:rPr lang="zh-TW" altLang="en-US" sz="5400" b="1" dirty="0">
-                <a:latin typeface="Microsoft JhengHei" panose="020B0604030504040204" pitchFamily="34" charset="-120"/>
-                <a:ea typeface="Microsoft JhengHei" panose="020B0604030504040204" pitchFamily="34" charset="-120"/>
-              </a:rPr>
-              <a:t>祂慈愛手減輕我憂慮重載</a:t>
-            </a:r>
-            <a:endParaRPr lang="en-US" altLang="zh-TW" sz="5400" b="1" dirty="0">
-              <a:latin typeface="Microsoft JhengHei" panose="020B0604030504040204" pitchFamily="34" charset="-120"/>
-              <a:ea typeface="Microsoft JhengHei" panose="020B0604030504040204" pitchFamily="34" charset="-120"/>
+            <a:pPr algn="ctr"/>
+            <a:r>
+              <a:rPr lang="en-US" sz="3733" b="1" dirty="0">
+                <a:solidFill>
+                  <a:srgbClr val="660033"/>
+                </a:solidFill>
+              </a:rPr>
+              <a:t>( </a:t>
+            </a:r>
+            <a:r>
+              <a:rPr lang="en-US" sz="3733" b="1" dirty="0">
+                <a:solidFill>
+                  <a:srgbClr val="660033"/>
+                </a:solidFill>
+              </a:rPr>
+              <a:t>2 </a:t>
+            </a:r>
+            <a:r>
+              <a:rPr lang="en-US" sz="3733" b="1" dirty="0">
+                <a:solidFill>
+                  <a:srgbClr val="660033"/>
+                </a:solidFill>
+              </a:rPr>
+              <a:t>/ </a:t>
+            </a:r>
+            <a:r>
+              <a:rPr lang="en-US" sz="3733" b="1" dirty="0">
+                <a:solidFill>
+                  <a:srgbClr val="660033"/>
+                </a:solidFill>
+              </a:rPr>
+              <a:t>3 </a:t>
+            </a:r>
+            <a:r>
+              <a:rPr lang="en-US" sz="3733" b="1" dirty="0">
+                <a:solidFill>
+                  <a:srgbClr val="660033"/>
+                </a:solidFill>
+              </a:rPr>
+              <a:t>)</a:t>
+            </a:r>
+            <a:endParaRPr lang="vi-VN" sz="3733" b="1" dirty="0">
+              <a:solidFill>
+                <a:srgbClr val="660033"/>
+              </a:solidFill>
             </a:endParaRPr>
           </a:p>
-          <a:p>
-            <a:pPr algn="ctr">
-              <a:buNone/>
-            </a:pPr>
-            <a:r>
-              <a:rPr lang="zh-TW" altLang="en-US" sz="5400" b="1" dirty="0">
-                <a:latin typeface="Microsoft JhengHei" panose="020B0604030504040204" pitchFamily="34" charset="-120"/>
-                <a:ea typeface="Microsoft JhengHei" panose="020B0604030504040204" pitchFamily="34" charset="-120"/>
-              </a:rPr>
-              <a:t>我願信靠祂應許</a:t>
-            </a:r>
-          </a:p>
-          <a:p>
-            <a:pPr algn="ctr">
-              <a:buNone/>
-            </a:pPr>
-            <a:r>
-              <a:rPr lang="zh-TW" altLang="en-US" sz="5400" b="1" dirty="0">
-                <a:latin typeface="Microsoft JhengHei" panose="020B0604030504040204" pitchFamily="34" charset="-120"/>
-                <a:ea typeface="Microsoft JhengHei" panose="020B0604030504040204" pitchFamily="34" charset="-120"/>
-              </a:rPr>
-              <a:t>祂手信實到萬代</a:t>
-            </a:r>
-          </a:p>
-          <a:p>
-            <a:pPr algn="ctr">
-              <a:buNone/>
-            </a:pPr>
-            <a:r>
-              <a:rPr lang="zh-TW" altLang="en-US" sz="5400" b="1" dirty="0">
-                <a:latin typeface="Microsoft JhengHei" panose="020B0604030504040204" pitchFamily="34" charset="-120"/>
-                <a:ea typeface="Microsoft JhengHei" panose="020B0604030504040204" pitchFamily="34" charset="-120"/>
-              </a:rPr>
-              <a:t>當我真需要一友神同在</a:t>
-            </a:r>
-          </a:p>
         </p:txBody>
       </p:sp>
     </p:spTree>
+    <p:extLst>
+      <p:ext uri="{BB962C8B-B14F-4D97-AF65-F5344CB8AC3E}">
+        <p14:creationId xmlns:p14="http://schemas.microsoft.com/office/powerpoint/2010/main" val="370548043"/>
+      </p:ext>
+    </p:extLst>
   </p:cSld>
   <p:clrMapOvr>
     <a:masterClrMapping/>
   </p:clrMapOvr>
+  <p:timing>
+    <p:tnLst>
+      <p:par>
+        <p:cTn id="1" dur="indefinite" restart="never" nodeType="tmRoot"/>
+      </p:par>
+    </p:tnLst>
+  </p:timing>
+</p:sld>
+</file>
+
+<file path=ppt/slides/slide7.xml><?xml version="1.0" encoding="utf-8"?>
+<p:sld xmlns:a="http://schemas.openxmlformats.org/drawingml/2006/main" xmlns:r="http://schemas.openxmlformats.org/officeDocument/2006/relationships" xmlns:p="http://schemas.openxmlformats.org/presentationml/2006/main">
+  <p:cSld>
+    <p:spTree>
+      <p:nvGrpSpPr>
+        <p:cNvPr id="1" name=""/>
+        <p:cNvGrpSpPr/>
+        <p:nvPr/>
+      </p:nvGrpSpPr>
+      <p:grpSpPr>
+        <a:xfrm>
+          <a:off x="0" y="0"/>
+          <a:ext cx="0" cy="0"/>
+          <a:chOff x="0" y="0"/>
+          <a:chExt cx="0" cy="0"/>
+        </a:xfrm>
+      </p:grpSpPr>
+      <p:sp>
+        <p:nvSpPr>
+          <p:cNvPr id="5" name="內容版面配置區 4"/>
+          <p:cNvSpPr>
+            <a:spLocks noGrp="1"/>
+          </p:cNvSpPr>
+          <p:nvPr>
+            <p:ph idx="1"/>
+          </p:nvPr>
+        </p:nvSpPr>
+        <p:spPr>
+          <a:xfrm>
+            <a:off x="0" y="2084853"/>
+            <a:ext cx="12192000" cy="2404863"/>
+          </a:xfrm>
+        </p:spPr>
+        <p:txBody>
+          <a:bodyPr anchor="ctr">
+            <a:normAutofit/>
+          </a:bodyPr>
+          <a:lstStyle/>
+          <a:p>
+            <a:pPr algn="ctr">
+              <a:buNone/>
+            </a:pPr>
+            <a:r>
+              <a:rPr lang="zh-TW" altLang="en-US" sz="6400" b="1" dirty="0">
+                <a:solidFill>
+                  <a:srgbClr val="660033"/>
+                </a:solidFill>
+                <a:latin typeface="Microsoft JhengHei" pitchFamily="34" charset="-120"/>
+                <a:ea typeface="Microsoft JhengHei" pitchFamily="34" charset="-120"/>
+              </a:rPr>
+              <a:t>當我需要朋友助我做得好</a:t>
+            </a:r>
+          </a:p>
+          <a:p>
+            <a:pPr algn="ctr">
+              <a:buNone/>
+            </a:pPr>
+            <a:r>
+              <a:rPr lang="zh-TW" altLang="en-US" sz="6400" b="1" dirty="0">
+                <a:solidFill>
+                  <a:srgbClr val="660033"/>
+                </a:solidFill>
+                <a:latin typeface="Microsoft JhengHei" pitchFamily="34" charset="-120"/>
+                <a:ea typeface="Microsoft JhengHei" pitchFamily="34" charset="-120"/>
+              </a:rPr>
+              <a:t>神同在 </a:t>
+            </a:r>
+            <a:r>
+              <a:rPr lang="zh-TW" altLang="en-US" sz="6400" b="1" dirty="0">
+                <a:solidFill>
+                  <a:srgbClr val="660033"/>
+                </a:solidFill>
+                <a:latin typeface="Microsoft JhengHei" pitchFamily="34" charset="-120"/>
+                <a:ea typeface="Microsoft JhengHei" pitchFamily="34" charset="-120"/>
+              </a:rPr>
+              <a:t> 常</a:t>
+            </a:r>
+            <a:r>
+              <a:rPr lang="zh-TW" altLang="en-US" sz="6400" b="1" dirty="0">
+                <a:solidFill>
+                  <a:srgbClr val="660033"/>
+                </a:solidFill>
+                <a:latin typeface="Microsoft JhengHei" pitchFamily="34" charset="-120"/>
+                <a:ea typeface="Microsoft JhengHei" pitchFamily="34" charset="-120"/>
+              </a:rPr>
+              <a:t>同在</a:t>
+            </a:r>
+          </a:p>
+        </p:txBody>
+      </p:sp>
+      <p:sp>
+        <p:nvSpPr>
+          <p:cNvPr id="3" name="TextBox 2"/>
+          <p:cNvSpPr txBox="1"/>
+          <p:nvPr/>
+        </p:nvSpPr>
+        <p:spPr>
+          <a:xfrm>
+            <a:off x="0" y="5061181"/>
+            <a:ext cx="12192000" cy="666786"/>
+          </a:xfrm>
+          <a:prstGeom prst="rect">
+            <a:avLst/>
+          </a:prstGeom>
+          <a:noFill/>
+        </p:spPr>
+        <p:txBody>
+          <a:bodyPr wrap="square" rtlCol="0">
+            <a:spAutoFit/>
+          </a:bodyPr>
+          <a:lstStyle/>
+          <a:p>
+            <a:pPr algn="ctr"/>
+            <a:r>
+              <a:rPr lang="en-US" sz="3733" b="1" dirty="0">
+                <a:solidFill>
+                  <a:srgbClr val="660033"/>
+                </a:solidFill>
+              </a:rPr>
+              <a:t>( </a:t>
+            </a:r>
+            <a:r>
+              <a:rPr lang="en-US" sz="3733" b="1" dirty="0">
+                <a:solidFill>
+                  <a:srgbClr val="660033"/>
+                </a:solidFill>
+              </a:rPr>
+              <a:t>2 </a:t>
+            </a:r>
+            <a:r>
+              <a:rPr lang="en-US" sz="3733" b="1" dirty="0">
+                <a:solidFill>
+                  <a:srgbClr val="660033"/>
+                </a:solidFill>
+              </a:rPr>
+              <a:t>/ </a:t>
+            </a:r>
+            <a:r>
+              <a:rPr lang="en-US" sz="3733" b="1" dirty="0">
+                <a:solidFill>
+                  <a:srgbClr val="660033"/>
+                </a:solidFill>
+              </a:rPr>
+              <a:t>3 </a:t>
+            </a:r>
+            <a:r>
+              <a:rPr lang="en-US" sz="3733" b="1" dirty="0">
+                <a:solidFill>
+                  <a:srgbClr val="660033"/>
+                </a:solidFill>
+              </a:rPr>
+              <a:t>)</a:t>
+            </a:r>
+            <a:endParaRPr lang="vi-VN" sz="3733" b="1" dirty="0">
+              <a:solidFill>
+                <a:srgbClr val="660033"/>
+              </a:solidFill>
+            </a:endParaRPr>
+          </a:p>
+        </p:txBody>
+      </p:sp>
+    </p:spTree>
+    <p:extLst>
+      <p:ext uri="{BB962C8B-B14F-4D97-AF65-F5344CB8AC3E}">
+        <p14:creationId xmlns:p14="http://schemas.microsoft.com/office/powerpoint/2010/main" val="3980067814"/>
+      </p:ext>
+    </p:extLst>
+  </p:cSld>
+  <p:clrMapOvr>
+    <a:masterClrMapping/>
+  </p:clrMapOvr>
+  <p:timing>
+    <p:tnLst>
+      <p:par>
+        <p:cTn id="1" dur="indefinite" restart="never" nodeType="tmRoot"/>
+      </p:par>
+    </p:tnLst>
+  </p:timing>
+</p:sld>
+</file>
+
+<file path=ppt/slides/slide8.xml><?xml version="1.0" encoding="utf-8"?>
+<p:sld xmlns:a="http://schemas.openxmlformats.org/drawingml/2006/main" xmlns:r="http://schemas.openxmlformats.org/officeDocument/2006/relationships" xmlns:p="http://schemas.openxmlformats.org/presentationml/2006/main">
+  <p:cSld>
+    <p:spTree>
+      <p:nvGrpSpPr>
+        <p:cNvPr id="1" name=""/>
+        <p:cNvGrpSpPr/>
+        <p:nvPr/>
+      </p:nvGrpSpPr>
+      <p:grpSpPr>
+        <a:xfrm>
+          <a:off x="0" y="0"/>
+          <a:ext cx="0" cy="0"/>
+          <a:chOff x="0" y="0"/>
+          <a:chExt cx="0" cy="0"/>
+        </a:xfrm>
+      </p:grpSpPr>
+      <p:sp>
+        <p:nvSpPr>
+          <p:cNvPr id="5" name="內容版面配置區 4"/>
+          <p:cNvSpPr>
+            <a:spLocks noGrp="1"/>
+          </p:cNvSpPr>
+          <p:nvPr>
+            <p:ph idx="1"/>
+          </p:nvPr>
+        </p:nvSpPr>
+        <p:spPr>
+          <a:xfrm>
+            <a:off x="0" y="2084853"/>
+            <a:ext cx="12192000" cy="2404863"/>
+          </a:xfrm>
+        </p:spPr>
+        <p:txBody>
+          <a:bodyPr anchor="ctr">
+            <a:normAutofit/>
+          </a:bodyPr>
+          <a:lstStyle/>
+          <a:p>
+            <a:pPr algn="ctr">
+              <a:buNone/>
+            </a:pPr>
+            <a:r>
+              <a:rPr lang="zh-TW" altLang="en-US" sz="6400" b="1" dirty="0">
+                <a:solidFill>
+                  <a:srgbClr val="660033"/>
+                </a:solidFill>
+                <a:latin typeface="Microsoft JhengHei" pitchFamily="34" charset="-120"/>
+                <a:ea typeface="Microsoft JhengHei" pitchFamily="34" charset="-120"/>
+              </a:rPr>
+              <a:t>神同</a:t>
+            </a:r>
+            <a:r>
+              <a:rPr lang="zh-TW" altLang="en-US" sz="6400" b="1" dirty="0">
+                <a:solidFill>
+                  <a:srgbClr val="660033"/>
+                </a:solidFill>
+                <a:latin typeface="Microsoft JhengHei" pitchFamily="34" charset="-120"/>
+                <a:ea typeface="Microsoft JhengHei" pitchFamily="34" charset="-120"/>
+              </a:rPr>
+              <a:t>在  常</a:t>
+            </a:r>
+            <a:r>
+              <a:rPr lang="zh-TW" altLang="en-US" sz="6400" b="1" dirty="0">
+                <a:solidFill>
+                  <a:srgbClr val="660033"/>
+                </a:solidFill>
+                <a:latin typeface="Microsoft JhengHei" pitchFamily="34" charset="-120"/>
+                <a:ea typeface="Microsoft JhengHei" pitchFamily="34" charset="-120"/>
+              </a:rPr>
+              <a:t>同在</a:t>
+            </a:r>
+          </a:p>
+          <a:p>
+            <a:pPr algn="ctr">
+              <a:buNone/>
+            </a:pPr>
+            <a:r>
+              <a:rPr lang="zh-TW" altLang="en-US" sz="6400" b="1" dirty="0">
+                <a:solidFill>
+                  <a:srgbClr val="660033"/>
+                </a:solidFill>
+                <a:latin typeface="Microsoft JhengHei" pitchFamily="34" charset="-120"/>
+                <a:ea typeface="Microsoft JhengHei" pitchFamily="34" charset="-120"/>
+              </a:rPr>
+              <a:t>祂慈愛手減輕我憂慮重載</a:t>
+            </a:r>
+            <a:endParaRPr lang="en-US" altLang="zh-TW" sz="6400" b="1" dirty="0">
+              <a:solidFill>
+                <a:srgbClr val="660033"/>
+              </a:solidFill>
+              <a:latin typeface="Microsoft JhengHei" pitchFamily="34" charset="-120"/>
+              <a:ea typeface="Microsoft JhengHei" pitchFamily="34" charset="-120"/>
+            </a:endParaRPr>
+          </a:p>
+        </p:txBody>
+      </p:sp>
+    </p:spTree>
+    <p:extLst>
+      <p:ext uri="{BB962C8B-B14F-4D97-AF65-F5344CB8AC3E}">
+        <p14:creationId xmlns:p14="http://schemas.microsoft.com/office/powerpoint/2010/main" val="3503985013"/>
+      </p:ext>
+    </p:extLst>
+  </p:cSld>
+  <p:clrMapOvr>
+    <a:masterClrMapping/>
+  </p:clrMapOvr>
+  <p:timing>
+    <p:tnLst>
+      <p:par>
+        <p:cTn id="1" dur="indefinite" restart="never" nodeType="tmRoot"/>
+      </p:par>
+    </p:tnLst>
+  </p:timing>
+</p:sld>
+</file>
+
+<file path=ppt/slides/slide9.xml><?xml version="1.0" encoding="utf-8"?>
+<p:sld xmlns:a="http://schemas.openxmlformats.org/drawingml/2006/main" xmlns:r="http://schemas.openxmlformats.org/officeDocument/2006/relationships" xmlns:p="http://schemas.openxmlformats.org/presentationml/2006/main">
+  <p:cSld>
+    <p:spTree>
+      <p:nvGrpSpPr>
+        <p:cNvPr id="1" name=""/>
+        <p:cNvGrpSpPr/>
+        <p:nvPr/>
+      </p:nvGrpSpPr>
+      <p:grpSpPr>
+        <a:xfrm>
+          <a:off x="0" y="0"/>
+          <a:ext cx="0" cy="0"/>
+          <a:chOff x="0" y="0"/>
+          <a:chExt cx="0" cy="0"/>
+        </a:xfrm>
+      </p:grpSpPr>
+      <p:sp>
+        <p:nvSpPr>
+          <p:cNvPr id="5" name="內容版面配置區 4"/>
+          <p:cNvSpPr>
+            <a:spLocks noGrp="1"/>
+          </p:cNvSpPr>
+          <p:nvPr>
+            <p:ph idx="1"/>
+          </p:nvPr>
+        </p:nvSpPr>
+        <p:spPr>
+          <a:xfrm>
+            <a:off x="0" y="2084853"/>
+            <a:ext cx="12192000" cy="2404863"/>
+          </a:xfrm>
+        </p:spPr>
+        <p:txBody>
+          <a:bodyPr anchor="ctr">
+            <a:normAutofit/>
+          </a:bodyPr>
+          <a:lstStyle/>
+          <a:p>
+            <a:pPr algn="ctr">
+              <a:buNone/>
+            </a:pPr>
+            <a:r>
+              <a:rPr lang="zh-TW" altLang="en-US" sz="6400" b="1" dirty="0">
+                <a:solidFill>
+                  <a:srgbClr val="660033"/>
+                </a:solidFill>
+                <a:latin typeface="Microsoft JhengHei" pitchFamily="34" charset="-120"/>
+                <a:ea typeface="Microsoft JhengHei" pitchFamily="34" charset="-120"/>
+              </a:rPr>
+              <a:t>我願信靠祂應</a:t>
+            </a:r>
+            <a:r>
+              <a:rPr lang="zh-TW" altLang="en-US" sz="6400" b="1" dirty="0">
+                <a:solidFill>
+                  <a:srgbClr val="660033"/>
+                </a:solidFill>
+                <a:latin typeface="Microsoft JhengHei" pitchFamily="34" charset="-120"/>
+                <a:ea typeface="Microsoft JhengHei" pitchFamily="34" charset="-120"/>
+              </a:rPr>
+              <a:t>許  祂</a:t>
+            </a:r>
+            <a:r>
+              <a:rPr lang="zh-TW" altLang="en-US" sz="6400" b="1" dirty="0">
+                <a:solidFill>
+                  <a:srgbClr val="660033"/>
+                </a:solidFill>
+                <a:latin typeface="Microsoft JhengHei" pitchFamily="34" charset="-120"/>
+                <a:ea typeface="Microsoft JhengHei" pitchFamily="34" charset="-120"/>
+              </a:rPr>
+              <a:t>手信實到萬</a:t>
+            </a:r>
+            <a:r>
+              <a:rPr lang="zh-TW" altLang="en-US" sz="6400" b="1" dirty="0">
+                <a:solidFill>
+                  <a:srgbClr val="660033"/>
+                </a:solidFill>
+                <a:latin typeface="Microsoft JhengHei" pitchFamily="34" charset="-120"/>
+                <a:ea typeface="Microsoft JhengHei" pitchFamily="34" charset="-120"/>
+              </a:rPr>
+              <a:t>代</a:t>
+            </a:r>
+            <a:endParaRPr lang="en-US" altLang="zh-TW" sz="6400" b="1" dirty="0">
+              <a:solidFill>
+                <a:srgbClr val="660033"/>
+              </a:solidFill>
+              <a:latin typeface="Microsoft JhengHei" pitchFamily="34" charset="-120"/>
+              <a:ea typeface="Microsoft JhengHei" pitchFamily="34" charset="-120"/>
+            </a:endParaRPr>
+          </a:p>
+          <a:p>
+            <a:pPr algn="ctr">
+              <a:buNone/>
+            </a:pPr>
+            <a:r>
+              <a:rPr lang="zh-TW" altLang="en-US" sz="6400" b="1" dirty="0">
+                <a:solidFill>
+                  <a:srgbClr val="660033"/>
+                </a:solidFill>
+                <a:latin typeface="Microsoft JhengHei" pitchFamily="34" charset="-120"/>
+                <a:ea typeface="Microsoft JhengHei" pitchFamily="34" charset="-120"/>
+              </a:rPr>
+              <a:t>當我真需要一友神同</a:t>
+            </a:r>
+            <a:r>
+              <a:rPr lang="zh-TW" altLang="en-US" sz="6400" b="1" dirty="0">
+                <a:solidFill>
+                  <a:srgbClr val="660033"/>
+                </a:solidFill>
+                <a:latin typeface="Microsoft JhengHei" pitchFamily="34" charset="-120"/>
+                <a:ea typeface="Microsoft JhengHei" pitchFamily="34" charset="-120"/>
+              </a:rPr>
+              <a:t>在</a:t>
+            </a:r>
+            <a:endParaRPr lang="zh-TW" altLang="en-US" sz="6400" b="1" dirty="0">
+              <a:solidFill>
+                <a:srgbClr val="660033"/>
+              </a:solidFill>
+              <a:latin typeface="Microsoft JhengHei" pitchFamily="34" charset="-120"/>
+              <a:ea typeface="Microsoft JhengHei" pitchFamily="34" charset="-120"/>
+            </a:endParaRPr>
+          </a:p>
+        </p:txBody>
+      </p:sp>
+    </p:spTree>
+    <p:extLst>
+      <p:ext uri="{BB962C8B-B14F-4D97-AF65-F5344CB8AC3E}">
+        <p14:creationId xmlns:p14="http://schemas.microsoft.com/office/powerpoint/2010/main" val="776325710"/>
+      </p:ext>
+    </p:extLst>
+  </p:cSld>
+  <p:clrMapOvr>
+    <a:masterClrMapping/>
+  </p:clrMapOvr>
+  <p:timing>
+    <p:tnLst>
+      <p:par>
+        <p:cTn id="1" dur="indefinite" restart="never" nodeType="tmRoot"/>
+      </p:par>
+    </p:tnLst>
+  </p:timing>
 </p:sld>
 </file>
 
